--- a/INF1070/Lab05 - Diapos.pptx
+++ b/INF1070/Lab05 - Diapos.pptx
@@ -1613,15 +1613,15 @@
 </file>
 
 <file path=ppt/diagrams/colors3.xml><?xml version="1.0" encoding="utf-8"?>
-<dgm:colorsDef xmlns:dgm="http://schemas.openxmlformats.org/drawingml/2006/diagram" xmlns:a="http://schemas.openxmlformats.org/drawingml/2006/main" uniqueId="urn:microsoft.com/office/officeart/2005/8/colors/colorful5">
+<dgm:colorsDef xmlns:dgm="http://schemas.openxmlformats.org/drawingml/2006/diagram" xmlns:a="http://schemas.openxmlformats.org/drawingml/2006/main" uniqueId="urn:microsoft.com/office/officeart/2018/5/colors/Iconchunking_neutralbg_accent2_2">
   <dgm:title val=""/>
   <dgm:desc val=""/>
   <dgm:catLst>
-    <dgm:cat type="colorful" pri="10500"/>
+    <dgm:cat type="accent2" pri="11200"/>
   </dgm:catLst>
   <dgm:styleLbl name="node0">
     <dgm:fillClrLst meth="repeat">
-      <a:schemeClr val="accent4"/>
+      <a:schemeClr val="accent2"/>
     </dgm:fillClrLst>
     <dgm:linClrLst meth="repeat">
       <a:schemeClr val="lt1"/>
@@ -1632,9 +1632,34 @@
     <dgm:txEffectClrLst/>
   </dgm:styleLbl>
   <dgm:styleLbl name="node1">
-    <dgm:fillClrLst>
-      <a:schemeClr val="accent5"/>
-      <a:schemeClr val="accent6"/>
+    <dgm:fillClrLst meth="repeat">
+      <a:schemeClr val="accent2"/>
+    </dgm:fillClrLst>
+    <dgm:linClrLst meth="repeat">
+      <a:schemeClr val="lt1">
+        <a:alpha val="0"/>
+      </a:schemeClr>
+    </dgm:linClrLst>
+    <dgm:effectClrLst/>
+    <dgm:txLinClrLst/>
+    <dgm:txFillClrLst/>
+    <dgm:txEffectClrLst/>
+  </dgm:styleLbl>
+  <dgm:styleLbl name="alignNode1">
+    <dgm:fillClrLst meth="repeat">
+      <a:schemeClr val="accent2"/>
+    </dgm:fillClrLst>
+    <dgm:linClrLst meth="repeat">
+      <a:schemeClr val="accent2"/>
+    </dgm:linClrLst>
+    <dgm:effectClrLst/>
+    <dgm:txLinClrLst/>
+    <dgm:txFillClrLst/>
+    <dgm:txEffectClrLst/>
+  </dgm:styleLbl>
+  <dgm:styleLbl name="lnNode1">
+    <dgm:fillClrLst meth="repeat">
+      <a:schemeClr val="accent2"/>
     </dgm:fillClrLst>
     <dgm:linClrLst meth="repeat">
       <a:schemeClr val="lt1"/>
@@ -1644,24 +1669,23 @@
     <dgm:txFillClrLst/>
     <dgm:txEffectClrLst/>
   </dgm:styleLbl>
-  <dgm:styleLbl name="alignNode1">
-    <dgm:fillClrLst>
-      <a:schemeClr val="accent5"/>
-      <a:schemeClr val="accent6"/>
-    </dgm:fillClrLst>
-    <dgm:linClrLst>
-      <a:schemeClr val="accent5"/>
-      <a:schemeClr val="accent6"/>
+  <dgm:styleLbl name="vennNode1">
+    <dgm:fillClrLst meth="repeat">
+      <a:schemeClr val="accent2">
+        <a:alpha val="50000"/>
+      </a:schemeClr>
+    </dgm:fillClrLst>
+    <dgm:linClrLst meth="repeat">
+      <a:schemeClr val="lt1"/>
     </dgm:linClrLst>
     <dgm:effectClrLst/>
     <dgm:txLinClrLst/>
     <dgm:txFillClrLst/>
     <dgm:txEffectClrLst/>
   </dgm:styleLbl>
-  <dgm:styleLbl name="lnNode1">
-    <dgm:fillClrLst>
-      <a:schemeClr val="accent5"/>
-      <a:schemeClr val="accent6"/>
+  <dgm:styleLbl name="node2">
+    <dgm:fillClrLst meth="repeat">
+      <a:schemeClr val="accent2"/>
     </dgm:fillClrLst>
     <dgm:linClrLst meth="repeat">
       <a:schemeClr val="lt1"/>
@@ -1671,14 +1695,9 @@
     <dgm:txFillClrLst/>
     <dgm:txEffectClrLst/>
   </dgm:styleLbl>
-  <dgm:styleLbl name="vennNode1">
-    <dgm:fillClrLst>
-      <a:schemeClr val="accent5">
-        <a:alpha val="50000"/>
-      </a:schemeClr>
-      <a:schemeClr val="accent6">
-        <a:alpha val="50000"/>
-      </a:schemeClr>
+  <dgm:styleLbl name="node3">
+    <dgm:fillClrLst meth="repeat">
+      <a:schemeClr val="accent2"/>
     </dgm:fillClrLst>
     <dgm:linClrLst meth="repeat">
       <a:schemeClr val="lt1"/>
@@ -1688,9 +1707,9 @@
     <dgm:txFillClrLst/>
     <dgm:txEffectClrLst/>
   </dgm:styleLbl>
-  <dgm:styleLbl name="node2">
-    <dgm:fillClrLst>
-      <a:schemeClr val="accent6"/>
+  <dgm:styleLbl name="node4">
+    <dgm:fillClrLst meth="repeat">
+      <a:schemeClr val="accent2"/>
     </dgm:fillClrLst>
     <dgm:linClrLst meth="repeat">
       <a:schemeClr val="lt1"/>
@@ -1700,36 +1719,9 @@
     <dgm:txFillClrLst/>
     <dgm:txEffectClrLst/>
   </dgm:styleLbl>
-  <dgm:styleLbl name="node3">
-    <dgm:fillClrLst>
-      <a:schemeClr val="accent1"/>
-    </dgm:fillClrLst>
-    <dgm:linClrLst meth="repeat">
-      <a:schemeClr val="lt1"/>
-    </dgm:linClrLst>
-    <dgm:effectClrLst/>
-    <dgm:txLinClrLst/>
-    <dgm:txFillClrLst/>
-    <dgm:txEffectClrLst/>
-  </dgm:styleLbl>
-  <dgm:styleLbl name="node4">
-    <dgm:fillClrLst>
-      <a:schemeClr val="accent2"/>
-    </dgm:fillClrLst>
-    <dgm:linClrLst meth="repeat">
-      <a:schemeClr val="lt1"/>
-    </dgm:linClrLst>
-    <dgm:effectClrLst/>
-    <dgm:txLinClrLst/>
-    <dgm:txFillClrLst/>
-    <dgm:txEffectClrLst/>
-  </dgm:styleLbl>
   <dgm:styleLbl name="fgImgPlace1">
-    <dgm:fillClrLst>
-      <a:schemeClr val="accent5">
-        <a:tint val="50000"/>
-      </a:schemeClr>
-      <a:schemeClr val="accent6">
+    <dgm:fillClrLst meth="repeat">
+      <a:schemeClr val="accent2">
         <a:tint val="50000"/>
       </a:schemeClr>
     </dgm:fillClrLst>
@@ -1744,12 +1736,9 @@
     <dgm:txEffectClrLst/>
   </dgm:styleLbl>
   <dgm:styleLbl name="alignImgPlace1">
-    <dgm:fillClrLst>
-      <a:schemeClr val="accent5">
+    <dgm:fillClrLst meth="repeat">
+      <a:schemeClr val="accent2">
         <a:tint val="50000"/>
-      </a:schemeClr>
-      <a:schemeClr val="accent6">
-        <a:tint val="20000"/>
       </a:schemeClr>
     </dgm:fillClrLst>
     <dgm:linClrLst meth="repeat">
@@ -1763,12 +1752,9 @@
     <dgm:txEffectClrLst/>
   </dgm:styleLbl>
   <dgm:styleLbl name="bgImgPlace1">
-    <dgm:fillClrLst>
-      <a:schemeClr val="accent5">
+    <dgm:fillClrLst meth="repeat">
+      <a:schemeClr val="accent2">
         <a:tint val="50000"/>
-      </a:schemeClr>
-      <a:schemeClr val="accent6">
-        <a:tint val="20000"/>
       </a:schemeClr>
     </dgm:fillClrLst>
     <dgm:linClrLst meth="repeat">
@@ -1782,9 +1768,86 @@
     <dgm:txEffectClrLst/>
   </dgm:styleLbl>
   <dgm:styleLbl name="sibTrans2D1">
-    <dgm:fillClrLst>
-      <a:schemeClr val="accent5"/>
-      <a:schemeClr val="accent6"/>
+    <dgm:fillClrLst meth="repeat">
+      <a:schemeClr val="accent2">
+        <a:tint val="60000"/>
+      </a:schemeClr>
+    </dgm:fillClrLst>
+    <dgm:linClrLst meth="repeat">
+      <a:schemeClr val="accent2">
+        <a:tint val="60000"/>
+      </a:schemeClr>
+    </dgm:linClrLst>
+    <dgm:effectClrLst/>
+    <dgm:txLinClrLst/>
+    <dgm:txFillClrLst/>
+    <dgm:txEffectClrLst/>
+  </dgm:styleLbl>
+  <dgm:styleLbl name="fgSibTrans2D1">
+    <dgm:fillClrLst meth="repeat">
+      <a:schemeClr val="accent2">
+        <a:tint val="60000"/>
+      </a:schemeClr>
+    </dgm:fillClrLst>
+    <dgm:linClrLst meth="repeat">
+      <a:schemeClr val="accent2">
+        <a:tint val="60000"/>
+      </a:schemeClr>
+    </dgm:linClrLst>
+    <dgm:effectClrLst/>
+    <dgm:txLinClrLst/>
+    <dgm:txFillClrLst/>
+    <dgm:txEffectClrLst/>
+  </dgm:styleLbl>
+  <dgm:styleLbl name="bgSibTrans2D1">
+    <dgm:fillClrLst meth="repeat">
+      <a:schemeClr val="accent2">
+        <a:tint val="60000"/>
+      </a:schemeClr>
+    </dgm:fillClrLst>
+    <dgm:linClrLst meth="repeat">
+      <a:schemeClr val="accent2">
+        <a:tint val="60000"/>
+      </a:schemeClr>
+    </dgm:linClrLst>
+    <dgm:effectClrLst/>
+    <dgm:txLinClrLst/>
+    <dgm:txFillClrLst/>
+    <dgm:txEffectClrLst/>
+  </dgm:styleLbl>
+  <dgm:styleLbl name="sibTrans1D1">
+    <dgm:fillClrLst meth="repeat">
+      <a:schemeClr val="accent2"/>
+    </dgm:fillClrLst>
+    <dgm:linClrLst meth="repeat">
+      <a:schemeClr val="accent2"/>
+    </dgm:linClrLst>
+    <dgm:effectClrLst/>
+    <dgm:txLinClrLst/>
+    <dgm:txFillClrLst meth="repeat">
+      <a:schemeClr val="tx1"/>
+    </dgm:txFillClrLst>
+    <dgm:txEffectClrLst/>
+  </dgm:styleLbl>
+  <dgm:styleLbl name="callout">
+    <dgm:fillClrLst meth="repeat">
+      <a:schemeClr val="accent2"/>
+    </dgm:fillClrLst>
+    <dgm:linClrLst meth="repeat">
+      <a:schemeClr val="accent2">
+        <a:tint val="50000"/>
+      </a:schemeClr>
+    </dgm:linClrLst>
+    <dgm:effectClrLst/>
+    <dgm:txLinClrLst/>
+    <dgm:txFillClrLst meth="repeat">
+      <a:schemeClr val="tx1"/>
+    </dgm:txFillClrLst>
+    <dgm:txEffectClrLst/>
+  </dgm:styleLbl>
+  <dgm:styleLbl name="asst0">
+    <dgm:fillClrLst meth="repeat">
+      <a:schemeClr val="accent2"/>
     </dgm:fillClrLst>
     <dgm:linClrLst meth="repeat">
       <a:schemeClr val="lt1"/>
@@ -1794,13 +1857,64 @@
     <dgm:txFillClrLst/>
     <dgm:txEffectClrLst/>
   </dgm:styleLbl>
-  <dgm:styleLbl name="fgSibTrans2D1">
-    <dgm:fillClrLst>
-      <a:schemeClr val="accent5"/>
-      <a:schemeClr val="accent6"/>
+  <dgm:styleLbl name="asst1">
+    <dgm:fillClrLst meth="repeat">
+      <a:schemeClr val="accent2"/>
     </dgm:fillClrLst>
     <dgm:linClrLst meth="repeat">
       <a:schemeClr val="lt1"/>
+    </dgm:linClrLst>
+    <dgm:effectClrLst/>
+    <dgm:txLinClrLst/>
+    <dgm:txFillClrLst/>
+    <dgm:txEffectClrLst/>
+  </dgm:styleLbl>
+  <dgm:styleLbl name="asst2">
+    <dgm:fillClrLst meth="repeat">
+      <a:schemeClr val="accent2"/>
+    </dgm:fillClrLst>
+    <dgm:linClrLst meth="repeat">
+      <a:schemeClr val="lt1"/>
+    </dgm:linClrLst>
+    <dgm:effectClrLst/>
+    <dgm:txLinClrLst/>
+    <dgm:txFillClrLst/>
+    <dgm:txEffectClrLst/>
+  </dgm:styleLbl>
+  <dgm:styleLbl name="asst3">
+    <dgm:fillClrLst meth="repeat">
+      <a:schemeClr val="accent2"/>
+    </dgm:fillClrLst>
+    <dgm:linClrLst meth="repeat">
+      <a:schemeClr val="lt1"/>
+    </dgm:linClrLst>
+    <dgm:effectClrLst/>
+    <dgm:txLinClrLst/>
+    <dgm:txFillClrLst/>
+    <dgm:txEffectClrLst/>
+  </dgm:styleLbl>
+  <dgm:styleLbl name="asst4">
+    <dgm:fillClrLst meth="repeat">
+      <a:schemeClr val="accent2"/>
+    </dgm:fillClrLst>
+    <dgm:linClrLst meth="repeat">
+      <a:schemeClr val="lt1"/>
+    </dgm:linClrLst>
+    <dgm:effectClrLst/>
+    <dgm:txLinClrLst/>
+    <dgm:txFillClrLst/>
+    <dgm:txEffectClrLst/>
+  </dgm:styleLbl>
+  <dgm:styleLbl name="parChTrans2D1">
+    <dgm:fillClrLst meth="repeat">
+      <a:schemeClr val="accent2">
+        <a:tint val="60000"/>
+      </a:schemeClr>
+    </dgm:fillClrLst>
+    <dgm:linClrLst meth="repeat">
+      <a:schemeClr val="accent2">
+        <a:tint val="60000"/>
+      </a:schemeClr>
     </dgm:linClrLst>
     <dgm:effectClrLst/>
     <dgm:txLinClrLst/>
@@ -1809,13 +1923,12 @@
     </dgm:txFillClrLst>
     <dgm:txEffectClrLst/>
   </dgm:styleLbl>
-  <dgm:styleLbl name="bgSibTrans2D1">
-    <dgm:fillClrLst>
-      <a:schemeClr val="accent5"/>
-      <a:schemeClr val="accent6"/>
-    </dgm:fillClrLst>
-    <dgm:linClrLst meth="repeat">
-      <a:schemeClr val="lt1"/>
+  <dgm:styleLbl name="parChTrans2D2">
+    <dgm:fillClrLst meth="repeat">
+      <a:schemeClr val="accent2"/>
+    </dgm:fillClrLst>
+    <dgm:linClrLst meth="repeat">
+      <a:schemeClr val="accent2"/>
     </dgm:linClrLst>
     <dgm:effectClrLst/>
     <dgm:txLinClrLst/>
@@ -1824,11 +1937,42 @@
     </dgm:txFillClrLst>
     <dgm:txEffectClrLst/>
   </dgm:styleLbl>
-  <dgm:styleLbl name="sibTrans1D1">
-    <dgm:fillClrLst/>
-    <dgm:linClrLst>
-      <a:schemeClr val="accent5"/>
-      <a:schemeClr val="accent6"/>
+  <dgm:styleLbl name="parChTrans2D3">
+    <dgm:fillClrLst meth="repeat">
+      <a:schemeClr val="accent2"/>
+    </dgm:fillClrLst>
+    <dgm:linClrLst meth="repeat">
+      <a:schemeClr val="accent2"/>
+    </dgm:linClrLst>
+    <dgm:effectClrLst/>
+    <dgm:txLinClrLst/>
+    <dgm:txFillClrLst meth="repeat">
+      <a:schemeClr val="lt1"/>
+    </dgm:txFillClrLst>
+    <dgm:txEffectClrLst/>
+  </dgm:styleLbl>
+  <dgm:styleLbl name="parChTrans2D4">
+    <dgm:fillClrLst meth="repeat">
+      <a:schemeClr val="accent2"/>
+    </dgm:fillClrLst>
+    <dgm:linClrLst meth="repeat">
+      <a:schemeClr val="accent2"/>
+    </dgm:linClrLst>
+    <dgm:effectClrLst/>
+    <dgm:txLinClrLst/>
+    <dgm:txFillClrLst meth="repeat">
+      <a:schemeClr val="lt1"/>
+    </dgm:txFillClrLst>
+    <dgm:txEffectClrLst/>
+  </dgm:styleLbl>
+  <dgm:styleLbl name="parChTrans1D1">
+    <dgm:fillClrLst meth="repeat">
+      <a:schemeClr val="accent2"/>
+    </dgm:fillClrLst>
+    <dgm:linClrLst meth="repeat">
+      <a:schemeClr val="accent2">
+        <a:shade val="60000"/>
+      </a:schemeClr>
     </dgm:linClrLst>
     <dgm:effectClrLst/>
     <dgm:txLinClrLst/>
@@ -1837,13 +1981,13 @@
     </dgm:txFillClrLst>
     <dgm:txEffectClrLst/>
   </dgm:styleLbl>
-  <dgm:styleLbl name="callout">
+  <dgm:styleLbl name="parChTrans1D2">
     <dgm:fillClrLst meth="repeat">
-      <a:schemeClr val="accent5"/>
-    </dgm:fillClrLst>
-    <dgm:linClrLst meth="repeat">
-      <a:schemeClr val="accent5">
-        <a:tint val="50000"/>
+      <a:schemeClr val="accent2"/>
+    </dgm:fillClrLst>
+    <dgm:linClrLst meth="repeat">
+      <a:schemeClr val="accent2">
+        <a:shade val="60000"/>
       </a:schemeClr>
     </dgm:linClrLst>
     <dgm:effectClrLst/>
@@ -1853,128 +1997,14 @@
     </dgm:txFillClrLst>
     <dgm:txEffectClrLst/>
   </dgm:styleLbl>
-  <dgm:styleLbl name="asst0">
+  <dgm:styleLbl name="parChTrans1D3">
     <dgm:fillClrLst meth="repeat">
-      <a:schemeClr val="accent5"/>
-    </dgm:fillClrLst>
-    <dgm:linClrLst meth="repeat">
-      <a:schemeClr val="lt1">
+      <a:schemeClr val="accent2"/>
+    </dgm:fillClrLst>
+    <dgm:linClrLst meth="repeat">
+      <a:schemeClr val="accent2">
         <a:shade val="80000"/>
       </a:schemeClr>
-    </dgm:linClrLst>
-    <dgm:effectClrLst/>
-    <dgm:txLinClrLst/>
-    <dgm:txFillClrLst/>
-    <dgm:txEffectClrLst/>
-  </dgm:styleLbl>
-  <dgm:styleLbl name="asst1">
-    <dgm:fillClrLst meth="repeat">
-      <a:schemeClr val="accent6"/>
-    </dgm:fillClrLst>
-    <dgm:linClrLst meth="repeat">
-      <a:schemeClr val="lt1">
-        <a:shade val="80000"/>
-      </a:schemeClr>
-    </dgm:linClrLst>
-    <dgm:effectClrLst/>
-    <dgm:txLinClrLst/>
-    <dgm:txFillClrLst/>
-    <dgm:txEffectClrLst/>
-  </dgm:styleLbl>
-  <dgm:styleLbl name="asst2">
-    <dgm:fillClrLst>
-      <a:schemeClr val="accent1"/>
-    </dgm:fillClrLst>
-    <dgm:linClrLst meth="repeat">
-      <a:schemeClr val="lt1"/>
-    </dgm:linClrLst>
-    <dgm:effectClrLst/>
-    <dgm:txLinClrLst/>
-    <dgm:txFillClrLst/>
-    <dgm:txEffectClrLst/>
-  </dgm:styleLbl>
-  <dgm:styleLbl name="asst3">
-    <dgm:fillClrLst>
-      <a:schemeClr val="accent2"/>
-    </dgm:fillClrLst>
-    <dgm:linClrLst meth="repeat">
-      <a:schemeClr val="lt1"/>
-    </dgm:linClrLst>
-    <dgm:effectClrLst/>
-    <dgm:txLinClrLst/>
-    <dgm:txFillClrLst/>
-    <dgm:txEffectClrLst/>
-  </dgm:styleLbl>
-  <dgm:styleLbl name="asst4">
-    <dgm:fillClrLst>
-      <a:schemeClr val="accent3"/>
-    </dgm:fillClrLst>
-    <dgm:linClrLst meth="repeat">
-      <a:schemeClr val="lt1"/>
-    </dgm:linClrLst>
-    <dgm:effectClrLst/>
-    <dgm:txLinClrLst/>
-    <dgm:txFillClrLst/>
-    <dgm:txEffectClrLst/>
-  </dgm:styleLbl>
-  <dgm:styleLbl name="parChTrans2D1">
-    <dgm:fillClrLst meth="repeat">
-      <a:schemeClr val="accent5"/>
-    </dgm:fillClrLst>
-    <dgm:linClrLst meth="repeat">
-      <a:schemeClr val="lt1"/>
-    </dgm:linClrLst>
-    <dgm:effectClrLst/>
-    <dgm:txLinClrLst/>
-    <dgm:txFillClrLst meth="repeat">
-      <a:schemeClr val="lt1"/>
-    </dgm:txFillClrLst>
-    <dgm:txEffectClrLst/>
-  </dgm:styleLbl>
-  <dgm:styleLbl name="parChTrans2D2">
-    <dgm:fillClrLst meth="repeat">
-      <a:schemeClr val="accent6"/>
-    </dgm:fillClrLst>
-    <dgm:linClrLst meth="repeat">
-      <a:schemeClr val="lt1"/>
-    </dgm:linClrLst>
-    <dgm:effectClrLst/>
-    <dgm:txLinClrLst/>
-    <dgm:txFillClrLst/>
-    <dgm:txEffectClrLst/>
-  </dgm:styleLbl>
-  <dgm:styleLbl name="parChTrans2D3">
-    <dgm:fillClrLst meth="repeat">
-      <a:schemeClr val="accent6"/>
-    </dgm:fillClrLst>
-    <dgm:linClrLst meth="repeat">
-      <a:schemeClr val="lt1"/>
-    </dgm:linClrLst>
-    <dgm:effectClrLst/>
-    <dgm:txLinClrLst/>
-    <dgm:txFillClrLst/>
-    <dgm:txEffectClrLst/>
-  </dgm:styleLbl>
-  <dgm:styleLbl name="parChTrans2D4">
-    <dgm:fillClrLst meth="repeat">
-      <a:schemeClr val="accent1"/>
-    </dgm:fillClrLst>
-    <dgm:linClrLst meth="repeat">
-      <a:schemeClr val="lt1"/>
-    </dgm:linClrLst>
-    <dgm:effectClrLst/>
-    <dgm:txLinClrLst/>
-    <dgm:txFillClrLst meth="repeat">
-      <a:schemeClr val="lt1"/>
-    </dgm:txFillClrLst>
-    <dgm:txEffectClrLst/>
-  </dgm:styleLbl>
-  <dgm:styleLbl name="parChTrans1D1">
-    <dgm:fillClrLst meth="repeat">
-      <a:schemeClr val="accent5"/>
-    </dgm:fillClrLst>
-    <dgm:linClrLst meth="repeat">
-      <a:schemeClr val="accent5"/>
     </dgm:linClrLst>
     <dgm:effectClrLst/>
     <dgm:txLinClrLst/>
@@ -1983,46 +2013,14 @@
     </dgm:txFillClrLst>
     <dgm:txEffectClrLst/>
   </dgm:styleLbl>
-  <dgm:styleLbl name="parChTrans1D2">
-    <dgm:fillClrLst meth="repeat">
-      <a:schemeClr val="accent6">
-        <a:tint val="90000"/>
-      </a:schemeClr>
-    </dgm:fillClrLst>
-    <dgm:linClrLst meth="repeat">
-      <a:schemeClr val="accent6"/>
-    </dgm:linClrLst>
-    <dgm:effectClrLst/>
-    <dgm:txLinClrLst/>
-    <dgm:txFillClrLst meth="repeat">
-      <a:schemeClr val="tx1"/>
-    </dgm:txFillClrLst>
-    <dgm:txEffectClrLst/>
-  </dgm:styleLbl>
-  <dgm:styleLbl name="parChTrans1D3">
-    <dgm:fillClrLst meth="repeat">
-      <a:schemeClr val="accent6">
-        <a:tint val="70000"/>
-      </a:schemeClr>
-    </dgm:fillClrLst>
-    <dgm:linClrLst meth="repeat">
-      <a:schemeClr val="accent1"/>
-    </dgm:linClrLst>
-    <dgm:effectClrLst/>
-    <dgm:txLinClrLst/>
-    <dgm:txFillClrLst meth="repeat">
-      <a:schemeClr val="tx1"/>
-    </dgm:txFillClrLst>
-    <dgm:txEffectClrLst/>
-  </dgm:styleLbl>
   <dgm:styleLbl name="parChTrans1D4">
     <dgm:fillClrLst meth="repeat">
-      <a:schemeClr val="accent6">
-        <a:tint val="50000"/>
-      </a:schemeClr>
-    </dgm:fillClrLst>
-    <dgm:linClrLst meth="repeat">
       <a:schemeClr val="accent2"/>
+    </dgm:fillClrLst>
+    <dgm:linClrLst meth="repeat">
+      <a:schemeClr val="accent2">
+        <a:shade val="80000"/>
+      </a:schemeClr>
     </dgm:linClrLst>
     <dgm:effectClrLst/>
     <dgm:txLinClrLst/>
@@ -2037,9 +2035,8 @@
         <a:alpha val="90000"/>
       </a:schemeClr>
     </dgm:fillClrLst>
-    <dgm:linClrLst>
-      <a:schemeClr val="accent5"/>
-      <a:schemeClr val="accent6"/>
+    <dgm:linClrLst meth="repeat">
+      <a:schemeClr val="accent2"/>
     </dgm:linClrLst>
     <dgm:effectClrLst/>
     <dgm:txLinClrLst/>
@@ -2054,9 +2051,8 @@
         <a:alpha val="90000"/>
       </a:schemeClr>
     </dgm:fillClrLst>
-    <dgm:linClrLst>
-      <a:schemeClr val="accent5"/>
-      <a:schemeClr val="accent6"/>
+    <dgm:linClrLst meth="repeat">
+      <a:schemeClr val="accent2"/>
     </dgm:linClrLst>
     <dgm:effectClrLst/>
     <dgm:txLinClrLst/>
@@ -2071,9 +2067,8 @@
         <a:alpha val="90000"/>
       </a:schemeClr>
     </dgm:fillClrLst>
-    <dgm:linClrLst>
-      <a:schemeClr val="accent5"/>
-      <a:schemeClr val="accent6"/>
+    <dgm:linClrLst meth="repeat">
+      <a:schemeClr val="accent2"/>
     </dgm:linClrLst>
     <dgm:effectClrLst/>
     <dgm:txLinClrLst/>
@@ -2089,7 +2084,7 @@
       </a:schemeClr>
     </dgm:fillClrLst>
     <dgm:linClrLst meth="repeat">
-      <a:schemeClr val="accent5"/>
+      <a:schemeClr val="accent2"/>
     </dgm:linClrLst>
     <dgm:effectClrLst/>
     <dgm:txLinClrLst/>
@@ -2104,9 +2099,8 @@
         <a:alpha val="90000"/>
       </a:schemeClr>
     </dgm:fillClrLst>
-    <dgm:linClrLst>
-      <a:schemeClr val="accent5"/>
-      <a:schemeClr val="accent6"/>
+    <dgm:linClrLst meth="repeat">
+      <a:schemeClr val="accent2"/>
     </dgm:linClrLst>
     <dgm:effectClrLst/>
     <dgm:txLinClrLst/>
@@ -2119,9 +2113,8 @@
     <dgm:fillClrLst meth="repeat">
       <a:schemeClr val="lt1"/>
     </dgm:fillClrLst>
-    <dgm:linClrLst>
-      <a:schemeClr val="accent5"/>
-      <a:schemeClr val="accent6"/>
+    <dgm:linClrLst meth="repeat">
+      <a:schemeClr val="accent2"/>
     </dgm:linClrLst>
     <dgm:effectClrLst/>
     <dgm:txLinClrLst/>
@@ -2134,9 +2127,8 @@
     <dgm:fillClrLst meth="repeat">
       <a:schemeClr val="lt1"/>
     </dgm:fillClrLst>
-    <dgm:linClrLst>
-      <a:schemeClr val="accent5"/>
-      <a:schemeClr val="accent6"/>
+    <dgm:linClrLst meth="repeat">
+      <a:schemeClr val="accent2"/>
     </dgm:linClrLst>
     <dgm:effectClrLst/>
     <dgm:txLinClrLst/>
@@ -2149,9 +2141,8 @@
     <dgm:fillClrLst meth="repeat">
       <a:schemeClr val="lt1"/>
     </dgm:fillClrLst>
-    <dgm:linClrLst>
-      <a:schemeClr val="accent5"/>
-      <a:schemeClr val="accent6"/>
+    <dgm:linClrLst meth="repeat">
+      <a:schemeClr val="accent2"/>
     </dgm:linClrLst>
     <dgm:effectClrLst/>
     <dgm:txLinClrLst/>
@@ -2161,24 +2152,16 @@
     <dgm:txEffectClrLst/>
   </dgm:styleLbl>
   <dgm:styleLbl name="fgAccFollowNode1">
-    <dgm:fillClrLst>
-      <a:schemeClr val="accent5">
+    <dgm:fillClrLst meth="repeat">
+      <a:schemeClr val="accent2">
+        <a:alpha val="90000"/>
         <a:tint val="40000"/>
+      </a:schemeClr>
+    </dgm:fillClrLst>
+    <dgm:linClrLst meth="repeat">
+      <a:schemeClr val="accent2">
         <a:alpha val="90000"/>
-      </a:schemeClr>
-      <a:schemeClr val="accent6">
         <a:tint val="40000"/>
-        <a:alpha val="90000"/>
-      </a:schemeClr>
-    </dgm:fillClrLst>
-    <dgm:linClrLst>
-      <a:schemeClr val="accent5">
-        <a:tint val="40000"/>
-        <a:alpha val="90000"/>
-      </a:schemeClr>
-      <a:schemeClr val="accent5">
-        <a:tint val="40000"/>
-        <a:alpha val="90000"/>
       </a:schemeClr>
     </dgm:linClrLst>
     <dgm:effectClrLst/>
@@ -2189,24 +2172,16 @@
     <dgm:txEffectClrLst/>
   </dgm:styleLbl>
   <dgm:styleLbl name="alignAccFollowNode1">
-    <dgm:fillClrLst>
-      <a:schemeClr val="accent5">
+    <dgm:fillClrLst meth="repeat">
+      <a:schemeClr val="accent2">
+        <a:alpha val="90000"/>
         <a:tint val="40000"/>
+      </a:schemeClr>
+    </dgm:fillClrLst>
+    <dgm:linClrLst meth="repeat">
+      <a:schemeClr val="accent2">
         <a:alpha val="90000"/>
-      </a:schemeClr>
-      <a:schemeClr val="accent6">
         <a:tint val="40000"/>
-        <a:alpha val="90000"/>
-      </a:schemeClr>
-    </dgm:fillClrLst>
-    <dgm:linClrLst>
-      <a:schemeClr val="accent5">
-        <a:tint val="40000"/>
-        <a:alpha val="90000"/>
-      </a:schemeClr>
-      <a:schemeClr val="accent6">
-        <a:tint val="40000"/>
-        <a:alpha val="90000"/>
       </a:schemeClr>
     </dgm:linClrLst>
     <dgm:effectClrLst/>
@@ -2217,24 +2192,16 @@
     <dgm:txEffectClrLst/>
   </dgm:styleLbl>
   <dgm:styleLbl name="bgAccFollowNode1">
-    <dgm:fillClrLst>
-      <a:schemeClr val="accent5">
+    <dgm:fillClrLst meth="repeat">
+      <a:schemeClr val="accent2">
+        <a:alpha val="90000"/>
         <a:tint val="40000"/>
+      </a:schemeClr>
+    </dgm:fillClrLst>
+    <dgm:linClrLst meth="repeat">
+      <a:schemeClr val="accent2">
         <a:alpha val="90000"/>
-      </a:schemeClr>
-      <a:schemeClr val="accent6">
         <a:tint val="40000"/>
-        <a:alpha val="90000"/>
-      </a:schemeClr>
-    </dgm:fillClrLst>
-    <dgm:linClrLst>
-      <a:schemeClr val="accent5">
-        <a:tint val="40000"/>
-        <a:alpha val="90000"/>
-      </a:schemeClr>
-      <a:schemeClr val="accent6">
-        <a:tint val="40000"/>
-        <a:alpha val="90000"/>
       </a:schemeClr>
     </dgm:linClrLst>
     <dgm:effectClrLst/>
@@ -2250,8 +2217,8 @@
         <a:alpha val="90000"/>
       </a:schemeClr>
     </dgm:fillClrLst>
-    <dgm:linClrLst>
-      <a:schemeClr val="accent4"/>
+    <dgm:linClrLst meth="repeat">
+      <a:schemeClr val="accent2"/>
     </dgm:linClrLst>
     <dgm:effectClrLst/>
     <dgm:txLinClrLst/>
@@ -2266,8 +2233,8 @@
         <a:alpha val="90000"/>
       </a:schemeClr>
     </dgm:fillClrLst>
-    <dgm:linClrLst>
-      <a:schemeClr val="accent6"/>
+    <dgm:linClrLst meth="repeat">
+      <a:schemeClr val="accent2"/>
     </dgm:linClrLst>
     <dgm:effectClrLst/>
     <dgm:txLinClrLst/>
@@ -2282,8 +2249,8 @@
         <a:alpha val="90000"/>
       </a:schemeClr>
     </dgm:fillClrLst>
-    <dgm:linClrLst>
-      <a:schemeClr val="accent1"/>
+    <dgm:linClrLst meth="repeat">
+      <a:schemeClr val="accent2"/>
     </dgm:linClrLst>
     <dgm:effectClrLst/>
     <dgm:txLinClrLst/>
@@ -2298,7 +2265,7 @@
         <a:alpha val="90000"/>
       </a:schemeClr>
     </dgm:fillClrLst>
-    <dgm:linClrLst>
+    <dgm:linClrLst meth="repeat">
       <a:schemeClr val="accent2"/>
     </dgm:linClrLst>
     <dgm:effectClrLst/>
@@ -2310,12 +2277,12 @@
   </dgm:styleLbl>
   <dgm:styleLbl name="bgShp">
     <dgm:fillClrLst meth="repeat">
-      <a:schemeClr val="accent5">
-        <a:tint val="40000"/>
-      </a:schemeClr>
-    </dgm:fillClrLst>
-    <dgm:linClrLst meth="repeat">
-      <a:schemeClr val="dk1"/>
+      <a:schemeClr val="bg1">
+        <a:lumMod val="95000"/>
+      </a:schemeClr>
+    </dgm:fillClrLst>
+    <dgm:linClrLst meth="repeat">
+      <a:schemeClr val="accent2"/>
     </dgm:linClrLst>
     <dgm:effectClrLst/>
     <dgm:txLinClrLst/>
@@ -2326,12 +2293,12 @@
   </dgm:styleLbl>
   <dgm:styleLbl name="dkBgShp">
     <dgm:fillClrLst meth="repeat">
-      <a:schemeClr val="accent5">
-        <a:shade val="90000"/>
-      </a:schemeClr>
-    </dgm:fillClrLst>
-    <dgm:linClrLst meth="repeat">
-      <a:schemeClr val="dk1"/>
+      <a:schemeClr val="accent2">
+        <a:shade val="80000"/>
+      </a:schemeClr>
+    </dgm:fillClrLst>
+    <dgm:linClrLst meth="repeat">
+      <a:schemeClr val="accent2"/>
     </dgm:linClrLst>
     <dgm:effectClrLst/>
     <dgm:txLinClrLst/>
@@ -2342,13 +2309,13 @@
   </dgm:styleLbl>
   <dgm:styleLbl name="trBgShp">
     <dgm:fillClrLst meth="repeat">
-      <a:schemeClr val="accent5">
+      <a:schemeClr val="accent2">
         <a:tint val="50000"/>
         <a:alpha val="40000"/>
       </a:schemeClr>
     </dgm:fillClrLst>
     <dgm:linClrLst meth="repeat">
-      <a:schemeClr val="accent5"/>
+      <a:schemeClr val="accent2"/>
     </dgm:linClrLst>
     <dgm:effectClrLst/>
     <dgm:txLinClrLst/>
@@ -2359,8 +2326,8 @@
   </dgm:styleLbl>
   <dgm:styleLbl name="fgShp">
     <dgm:fillClrLst meth="repeat">
-      <a:schemeClr val="accent5">
-        <a:tint val="40000"/>
+      <a:schemeClr val="accent2">
+        <a:tint val="60000"/>
       </a:schemeClr>
     </dgm:fillClrLst>
     <dgm:linClrLst meth="repeat">
@@ -5020,7 +4987,7 @@
 <dgm:dataModel xmlns:dgm="http://schemas.openxmlformats.org/drawingml/2006/diagram" xmlns:a="http://schemas.openxmlformats.org/drawingml/2006/main">
   <dgm:ptLst>
     <dgm:pt modelId="{BF53DE6C-FD0C-4C22-9D6F-09B1380D405A}" type="doc">
-      <dgm:prSet loTypeId="urn:microsoft.com/office/officeart/2018/5/layout/CenteredIconLabelDescriptionList" loCatId="icon" qsTypeId="urn:microsoft.com/office/officeart/2005/8/quickstyle/simple1" qsCatId="simple" csTypeId="urn:microsoft.com/office/officeart/2005/8/colors/colorful5" csCatId="colorful" phldr="1"/>
+      <dgm:prSet loTypeId="urn:microsoft.com/office/officeart/2018/5/layout/CenteredIconLabelDescriptionList" loCatId="icon" qsTypeId="urn:microsoft.com/office/officeart/2005/8/quickstyle/simple1" qsCatId="simple" csTypeId="urn:microsoft.com/office/officeart/2018/5/colors/Iconchunking_neutralbg_accent2_2" csCatId="accent2" phldr="1"/>
       <dgm:spPr/>
       <dgm:t>
         <a:bodyPr/>
@@ -5038,16 +5005,13 @@
         <a:lstStyle/>
         <a:p>
           <a:pPr>
-            <a:lnSpc>
-              <a:spcPct val="100000"/>
-            </a:lnSpc>
             <a:defRPr b="1"/>
           </a:pPr>
           <a:r>
-            <a:rPr lang="fr-CA" dirty="0"/>
+            <a:rPr lang="fr-CA"/>
             <a:t>Classe de caractères</a:t>
           </a:r>
-          <a:endParaRPr lang="en-US" dirty="0"/>
+          <a:endParaRPr lang="en-US"/>
         </a:p>
       </dgm:t>
     </dgm:pt>
@@ -5081,9 +5045,6 @@
         <a:lstStyle/>
         <a:p>
           <a:pPr>
-            <a:lnSpc>
-              <a:spcPct val="100000"/>
-            </a:lnSpc>
             <a:defRPr b="1"/>
           </a:pPr>
           <a:r>
@@ -5123,16 +5084,12 @@
         <a:bodyPr/>
         <a:lstStyle/>
         <a:p>
-          <a:pPr>
-            <a:lnSpc>
-              <a:spcPct val="100000"/>
-            </a:lnSpc>
-          </a:pPr>
+          <a:pPr algn="ctr"/>
           <a:r>
-            <a:rPr lang="fr-FR"/>
+            <a:rPr lang="fr-FR" dirty="0"/>
             <a:t>[=e=] : classe d’équivalence du caractère e</a:t>
           </a:r>
-          <a:endParaRPr lang="en-US"/>
+          <a:endParaRPr lang="en-US" dirty="0"/>
         </a:p>
       </dgm:t>
     </dgm:pt>
@@ -5165,6 +5122,7 @@
         <a:bodyPr/>
         <a:lstStyle/>
         <a:p>
+          <a:pPr algn="ctr"/>
           <a:r>
             <a:rPr lang="en-CA"/>
             <a:t>inclut eéèêë</a:t>
@@ -5203,18 +5161,11 @@
         <a:lstStyle/>
         <a:p>
           <a:pPr>
-            <a:lnSpc>
-              <a:spcPct val="100000"/>
-            </a:lnSpc>
             <a:defRPr b="1"/>
           </a:pPr>
           <a:r>
-            <a:rPr lang="en-CA" dirty="0" err="1"/>
-            <a:t>Voir</a:t>
-          </a:r>
-          <a:r>
             <a:rPr lang="en-CA" dirty="0"/>
-            <a:t> Notes de Cours (</a:t>
+            <a:t>Voir Notes de Cours (</a:t>
           </a:r>
           <a:r>
             <a:rPr lang="en-CA" dirty="0" err="1">
@@ -5268,6 +5219,122 @@
         </a:p>
       </dgm:t>
     </dgm:pt>
+    <dgm:pt modelId="{38EBAB02-9486-4FCD-B42D-35CE30996D5A}">
+      <dgm:prSet/>
+      <dgm:spPr/>
+      <dgm:t>
+        <a:bodyPr/>
+        <a:lstStyle/>
+        <a:p>
+          <a:pPr algn="ctr"/>
+          <a:r>
+            <a:rPr lang="en-US" dirty="0"/>
+            <a:t>GREP: [[=e=]]</a:t>
+          </a:r>
+        </a:p>
+      </dgm:t>
+    </dgm:pt>
+    <dgm:pt modelId="{CA80EBD3-B538-42DA-B8D5-E72CBC00A618}" type="parTrans" cxnId="{B8F80CBC-0ABA-4639-8E27-CC85E5F42463}">
+      <dgm:prSet/>
+      <dgm:spPr/>
+      <dgm:t>
+        <a:bodyPr/>
+        <a:lstStyle/>
+        <a:p>
+          <a:endParaRPr lang="en-CA"/>
+        </a:p>
+      </dgm:t>
+    </dgm:pt>
+    <dgm:pt modelId="{DF2A11D2-32AB-4C99-AD61-3D44B9CB8E81}" type="sibTrans" cxnId="{B8F80CBC-0ABA-4639-8E27-CC85E5F42463}">
+      <dgm:prSet/>
+      <dgm:spPr/>
+      <dgm:t>
+        <a:bodyPr/>
+        <a:lstStyle/>
+        <a:p>
+          <a:endParaRPr lang="en-CA"/>
+        </a:p>
+      </dgm:t>
+    </dgm:pt>
+    <dgm:pt modelId="{DB8FD174-FFF6-4367-B276-144A64155F2A}">
+      <dgm:prSet/>
+      <dgm:spPr/>
+      <dgm:t>
+        <a:bodyPr/>
+        <a:lstStyle/>
+        <a:p>
+          <a:pPr algn="ctr"/>
+          <a:r>
+            <a:rPr lang="en-US" dirty="0"/>
+            <a:t>[:class:]</a:t>
+          </a:r>
+        </a:p>
+      </dgm:t>
+    </dgm:pt>
+    <dgm:pt modelId="{E3269A41-C1C1-47A8-B65A-6C52DC903779}" type="parTrans" cxnId="{53BB6A4B-0374-41D5-8E5A-DF0880FB43A3}">
+      <dgm:prSet/>
+      <dgm:spPr/>
+      <dgm:t>
+        <a:bodyPr/>
+        <a:lstStyle/>
+        <a:p>
+          <a:endParaRPr lang="en-CA"/>
+        </a:p>
+      </dgm:t>
+    </dgm:pt>
+    <dgm:pt modelId="{2491B0CE-144A-43B1-8B44-FB91ED0F30C6}" type="sibTrans" cxnId="{53BB6A4B-0374-41D5-8E5A-DF0880FB43A3}">
+      <dgm:prSet/>
+      <dgm:spPr/>
+      <dgm:t>
+        <a:bodyPr/>
+        <a:lstStyle/>
+        <a:p>
+          <a:endParaRPr lang="en-CA"/>
+        </a:p>
+      </dgm:t>
+    </dgm:pt>
+    <dgm:pt modelId="{EC1C71E5-E4C5-4CF4-847D-9A8ACC723994}">
+      <dgm:prSet/>
+      <dgm:spPr/>
+      <dgm:t>
+        <a:bodyPr/>
+        <a:lstStyle/>
+        <a:p>
+          <a:pPr algn="ctr"/>
+          <a:r>
+            <a:rPr lang="en-US" dirty="0"/>
+            <a:t>Ex: lower, upper, digit, alpha, </a:t>
+          </a:r>
+          <a:r>
+            <a:rPr lang="en-US" dirty="0" err="1"/>
+            <a:t>etc</a:t>
+          </a:r>
+          <a:endParaRPr lang="en-US" dirty="0"/>
+        </a:p>
+      </dgm:t>
+    </dgm:pt>
+    <dgm:pt modelId="{8E2DDF43-8926-4AF2-A806-BB500F6CCEAD}" type="parTrans" cxnId="{FECC96F0-01E0-414E-9128-B8BB999FA877}">
+      <dgm:prSet/>
+      <dgm:spPr/>
+      <dgm:t>
+        <a:bodyPr/>
+        <a:lstStyle/>
+        <a:p>
+          <a:endParaRPr lang="en-CA"/>
+        </a:p>
+      </dgm:t>
+    </dgm:pt>
+    <dgm:pt modelId="{6AB1273D-CA6B-445C-AD89-6FEB53CFC932}" type="sibTrans" cxnId="{FECC96F0-01E0-414E-9128-B8BB999FA877}">
+      <dgm:prSet/>
+      <dgm:spPr/>
+      <dgm:t>
+        <a:bodyPr/>
+        <a:lstStyle/>
+        <a:p>
+          <a:endParaRPr lang="en-CA"/>
+        </a:p>
+      </dgm:t>
+    </dgm:pt>
     <dgm:pt modelId="{FECB2241-D917-425B-A62A-F860E2557E95}" type="pres">
       <dgm:prSet presAssocID="{BF53DE6C-FD0C-4C22-9D6F-09B1380D405A}" presName="root" presStyleCnt="0">
         <dgm:presLayoutVars>
@@ -5299,6 +5366,9 @@
             <a:fillRect/>
           </a:stretch>
         </a:blipFill>
+        <a:ln>
+          <a:noFill/>
+        </a:ln>
       </dgm:spPr>
       <dgm:extLst>
         <a:ext uri="{E40237B7-FDA0-4F09-8148-C483321AD2D9}">
@@ -5355,6 +5425,9 @@
             <a:fillRect/>
           </a:stretch>
         </a:blipFill>
+        <a:ln>
+          <a:noFill/>
+        </a:ln>
       </dgm:spPr>
       <dgm:extLst>
         <a:ext uri="{E40237B7-FDA0-4F09-8148-C483321AD2D9}">
@@ -5411,6 +5484,9 @@
             <a:fillRect/>
           </a:stretch>
         </a:blipFill>
+        <a:ln>
+          <a:noFill/>
+        </a:ln>
       </dgm:spPr>
       <dgm:extLst>
         <a:ext uri="{E40237B7-FDA0-4F09-8148-C483321AD2D9}">
@@ -5443,37 +5519,43 @@
     </dgm:pt>
   </dgm:ptLst>
   <dgm:cxnLst>
-    <dgm:cxn modelId="{7E200D18-6C4E-4D94-8C02-AF0D188F89D3}" type="presOf" srcId="{D91080E6-2200-4477-9E8D-322E5C36A4F8}" destId="{E8A0493D-A19E-4828-9EE7-A7248BEEFD72}" srcOrd="0" destOrd="0" presId="urn:microsoft.com/office/officeart/2018/5/layout/CenteredIconLabelDescriptionList"/>
+    <dgm:cxn modelId="{C2427814-BCCD-43E9-89EF-8C5F31D7F465}" type="presOf" srcId="{BF53DE6C-FD0C-4C22-9D6F-09B1380D405A}" destId="{FECB2241-D917-425B-A62A-F860E2557E95}" srcOrd="0" destOrd="0" presId="urn:microsoft.com/office/officeart/2018/5/layout/CenteredIconLabelDescriptionList"/>
+    <dgm:cxn modelId="{BDA5EC14-B395-4AB4-B28B-A4729DE113C6}" type="presOf" srcId="{DB8FD174-FFF6-4367-B276-144A64155F2A}" destId="{7B0FA195-BF49-401B-8003-A072CC69585E}" srcOrd="0" destOrd="0" presId="urn:microsoft.com/office/officeart/2018/5/layout/CenteredIconLabelDescriptionList"/>
     <dgm:cxn modelId="{C5E42C40-8924-459D-B3C0-B8027AB7097E}" srcId="{BF53DE6C-FD0C-4C22-9D6F-09B1380D405A}" destId="{D91080E6-2200-4477-9E8D-322E5C36A4F8}" srcOrd="0" destOrd="0" parTransId="{5D290805-A8A9-437B-9534-FFEDF0DCCB6B}" sibTransId="{CDFF5027-3476-4583-B3E8-A46C4A8A8015}"/>
     <dgm:cxn modelId="{CC7B9862-F1FB-4729-B7B1-59B2A8D7A553}" srcId="{BF53DE6C-FD0C-4C22-9D6F-09B1380D405A}" destId="{7C93110B-CCDE-4B72-8490-EB43981C8784}" srcOrd="2" destOrd="0" parTransId="{0BD44340-AD3C-4F89-878D-4E9FBEE73094}" sibTransId="{2DA8E606-F951-4336-A0D5-B22AD1B21E90}"/>
     <dgm:cxn modelId="{33D7A965-147F-4690-BA7E-2888D82FC1C9}" srcId="{39AB2CC1-92D1-4774-87AB-67EBCC586E8E}" destId="{DF8DF1CA-2BA7-4C4A-989C-0729EF4CE2FF}" srcOrd="0" destOrd="0" parTransId="{9E712269-4791-43AF-BDBC-6D61FD8382EB}" sibTransId="{A8D4E7D8-32E2-400D-B951-CFC992319934}"/>
-    <dgm:cxn modelId="{2024435A-C7A7-47D4-A551-458064604749}" type="presOf" srcId="{39AB2CC1-92D1-4774-87AB-67EBCC586E8E}" destId="{F1C7DC51-F8E8-484D-A658-6A5E6ED2E03F}" srcOrd="0" destOrd="0" presId="urn:microsoft.com/office/officeart/2018/5/layout/CenteredIconLabelDescriptionList"/>
-    <dgm:cxn modelId="{A6F5C1AC-5A0D-4525-BF3A-318495DEAE5E}" type="presOf" srcId="{61E5B816-F374-42A9-B0A7-13A3C7CF29BB}" destId="{2155A432-082E-4685-A1D2-DDBC9AA61C84}" srcOrd="0" destOrd="1" presId="urn:microsoft.com/office/officeart/2018/5/layout/CenteredIconLabelDescriptionList"/>
+    <dgm:cxn modelId="{53BB6A4B-0374-41D5-8E5A-DF0880FB43A3}" srcId="{D91080E6-2200-4477-9E8D-322E5C36A4F8}" destId="{DB8FD174-FFF6-4367-B276-144A64155F2A}" srcOrd="0" destOrd="0" parTransId="{E3269A41-C1C1-47A8-B65A-6C52DC903779}" sibTransId="{2491B0CE-144A-43B1-8B44-FB91ED0F30C6}"/>
+    <dgm:cxn modelId="{3D05744D-DE89-4289-8342-84FF36A7F396}" type="presOf" srcId="{7C93110B-CCDE-4B72-8490-EB43981C8784}" destId="{1D7E7F65-A1D0-47FC-8633-56A2A569F58B}" srcOrd="0" destOrd="0" presId="urn:microsoft.com/office/officeart/2018/5/layout/CenteredIconLabelDescriptionList"/>
+    <dgm:cxn modelId="{805F5053-3511-4352-893A-3CB6C38A5892}" type="presOf" srcId="{DF8DF1CA-2BA7-4C4A-989C-0729EF4CE2FF}" destId="{2155A432-082E-4685-A1D2-DDBC9AA61C84}" srcOrd="0" destOrd="0" presId="urn:microsoft.com/office/officeart/2018/5/layout/CenteredIconLabelDescriptionList"/>
+    <dgm:cxn modelId="{A28BFE82-76C0-4B15-8954-63E6AD12851D}" type="presOf" srcId="{D91080E6-2200-4477-9E8D-322E5C36A4F8}" destId="{E8A0493D-A19E-4828-9EE7-A7248BEEFD72}" srcOrd="0" destOrd="0" presId="urn:microsoft.com/office/officeart/2018/5/layout/CenteredIconLabelDescriptionList"/>
+    <dgm:cxn modelId="{620207A2-4BFA-4865-8FE4-814366F81A20}" type="presOf" srcId="{38EBAB02-9486-4FCD-B42D-35CE30996D5A}" destId="{2155A432-082E-4685-A1D2-DDBC9AA61C84}" srcOrd="0" destOrd="2" presId="urn:microsoft.com/office/officeart/2018/5/layout/CenteredIconLabelDescriptionList"/>
     <dgm:cxn modelId="{A81EBCAD-337E-4FFB-8EBD-9E752426DF52}" srcId="{DF8DF1CA-2BA7-4C4A-989C-0729EF4CE2FF}" destId="{61E5B816-F374-42A9-B0A7-13A3C7CF29BB}" srcOrd="0" destOrd="0" parTransId="{D2E3DCE9-4D5E-4629-9AB8-AC883323D005}" sibTransId="{3A035913-2224-4B1E-9D05-51EC7E7D0B91}"/>
-    <dgm:cxn modelId="{E98CADBC-D997-45A9-8B25-42C9660EAE95}" type="presOf" srcId="{BF53DE6C-FD0C-4C22-9D6F-09B1380D405A}" destId="{FECB2241-D917-425B-A62A-F860E2557E95}" srcOrd="0" destOrd="0" presId="urn:microsoft.com/office/officeart/2018/5/layout/CenteredIconLabelDescriptionList"/>
-    <dgm:cxn modelId="{42A449EF-B4C7-42F0-96ED-D3225AE79871}" type="presOf" srcId="{7C93110B-CCDE-4B72-8490-EB43981C8784}" destId="{1D7E7F65-A1D0-47FC-8633-56A2A569F58B}" srcOrd="0" destOrd="0" presId="urn:microsoft.com/office/officeart/2018/5/layout/CenteredIconLabelDescriptionList"/>
-    <dgm:cxn modelId="{01F9B3F0-E773-41E2-AAE5-09BADFDC0CCF}" type="presOf" srcId="{DF8DF1CA-2BA7-4C4A-989C-0729EF4CE2FF}" destId="{2155A432-082E-4685-A1D2-DDBC9AA61C84}" srcOrd="0" destOrd="0" presId="urn:microsoft.com/office/officeart/2018/5/layout/CenteredIconLabelDescriptionList"/>
+    <dgm:cxn modelId="{B8F80CBC-0ABA-4639-8E27-CC85E5F42463}" srcId="{DF8DF1CA-2BA7-4C4A-989C-0729EF4CE2FF}" destId="{38EBAB02-9486-4FCD-B42D-35CE30996D5A}" srcOrd="1" destOrd="0" parTransId="{CA80EBD3-B538-42DA-B8D5-E72CBC00A618}" sibTransId="{DF2A11D2-32AB-4C99-AD61-3D44B9CB8E81}"/>
+    <dgm:cxn modelId="{711230D2-EFDF-4BDF-9455-8120B1B96E04}" type="presOf" srcId="{39AB2CC1-92D1-4774-87AB-67EBCC586E8E}" destId="{F1C7DC51-F8E8-484D-A658-6A5E6ED2E03F}" srcOrd="0" destOrd="0" presId="urn:microsoft.com/office/officeart/2018/5/layout/CenteredIconLabelDescriptionList"/>
+    <dgm:cxn modelId="{7CF4F7EB-DF32-467A-B38F-2489983EF2AC}" type="presOf" srcId="{61E5B816-F374-42A9-B0A7-13A3C7CF29BB}" destId="{2155A432-082E-4685-A1D2-DDBC9AA61C84}" srcOrd="0" destOrd="1" presId="urn:microsoft.com/office/officeart/2018/5/layout/CenteredIconLabelDescriptionList"/>
+    <dgm:cxn modelId="{FECC96F0-01E0-414E-9128-B8BB999FA877}" srcId="{DB8FD174-FFF6-4367-B276-144A64155F2A}" destId="{EC1C71E5-E4C5-4CF4-847D-9A8ACC723994}" srcOrd="0" destOrd="0" parTransId="{8E2DDF43-8926-4AF2-A806-BB500F6CCEAD}" sibTransId="{6AB1273D-CA6B-445C-AD89-6FEB53CFC932}"/>
     <dgm:cxn modelId="{AEEA41FA-D882-48F9-BA09-041AE16F29FC}" srcId="{BF53DE6C-FD0C-4C22-9D6F-09B1380D405A}" destId="{39AB2CC1-92D1-4774-87AB-67EBCC586E8E}" srcOrd="1" destOrd="0" parTransId="{3F755806-09B5-4480-A9E1-29602BDA8B85}" sibTransId="{2B4CBDEC-B3EA-4D6E-9846-6EE4F9D29281}"/>
-    <dgm:cxn modelId="{58253A3B-349C-483E-AA6B-5DA3C653B6D7}" type="presParOf" srcId="{FECB2241-D917-425B-A62A-F860E2557E95}" destId="{EFB3855F-112D-4D5E-AE7B-7BC956A0B9DE}" srcOrd="0" destOrd="0" presId="urn:microsoft.com/office/officeart/2018/5/layout/CenteredIconLabelDescriptionList"/>
-    <dgm:cxn modelId="{8AA4C995-78F2-41BA-B04E-6FC4E84821CB}" type="presParOf" srcId="{EFB3855F-112D-4D5E-AE7B-7BC956A0B9DE}" destId="{35CBE6DE-98E5-4D3F-A4F0-1B412A186F6D}" srcOrd="0" destOrd="0" presId="urn:microsoft.com/office/officeart/2018/5/layout/CenteredIconLabelDescriptionList"/>
-    <dgm:cxn modelId="{494BEAB3-AD48-4538-A6E6-2E8AC9763489}" type="presParOf" srcId="{EFB3855F-112D-4D5E-AE7B-7BC956A0B9DE}" destId="{80EEDDB0-7F3F-4039-8D72-B95F319361D0}" srcOrd="1" destOrd="0" presId="urn:microsoft.com/office/officeart/2018/5/layout/CenteredIconLabelDescriptionList"/>
-    <dgm:cxn modelId="{C3CB4D20-8DAB-4317-A8E4-11C9BA8FA1AE}" type="presParOf" srcId="{EFB3855F-112D-4D5E-AE7B-7BC956A0B9DE}" destId="{E8A0493D-A19E-4828-9EE7-A7248BEEFD72}" srcOrd="2" destOrd="0" presId="urn:microsoft.com/office/officeart/2018/5/layout/CenteredIconLabelDescriptionList"/>
-    <dgm:cxn modelId="{0727A41E-52B0-43DC-8283-7F129E5307B5}" type="presParOf" srcId="{EFB3855F-112D-4D5E-AE7B-7BC956A0B9DE}" destId="{E6309F99-87EB-4055-AF5A-3CF31FED9589}" srcOrd="3" destOrd="0" presId="urn:microsoft.com/office/officeart/2018/5/layout/CenteredIconLabelDescriptionList"/>
-    <dgm:cxn modelId="{D99C30B7-C73B-46D3-A169-5BBCC41048A6}" type="presParOf" srcId="{EFB3855F-112D-4D5E-AE7B-7BC956A0B9DE}" destId="{7B0FA195-BF49-401B-8003-A072CC69585E}" srcOrd="4" destOrd="0" presId="urn:microsoft.com/office/officeart/2018/5/layout/CenteredIconLabelDescriptionList"/>
-    <dgm:cxn modelId="{FD473C3C-C5D1-42CB-9B36-4B149CB53095}" type="presParOf" srcId="{FECB2241-D917-425B-A62A-F860E2557E95}" destId="{5287C58E-7AF6-4170-85D8-E32EDE1B2A29}" srcOrd="1" destOrd="0" presId="urn:microsoft.com/office/officeart/2018/5/layout/CenteredIconLabelDescriptionList"/>
-    <dgm:cxn modelId="{2248C178-2627-4A0D-A963-8A74ED56C521}" type="presParOf" srcId="{FECB2241-D917-425B-A62A-F860E2557E95}" destId="{1FADEC10-D352-4002-9803-935D780BD2FA}" srcOrd="2" destOrd="0" presId="urn:microsoft.com/office/officeart/2018/5/layout/CenteredIconLabelDescriptionList"/>
-    <dgm:cxn modelId="{68F8E31F-5AEF-4E22-9067-4791AF899FC0}" type="presParOf" srcId="{1FADEC10-D352-4002-9803-935D780BD2FA}" destId="{022F78EC-FC30-4069-81DD-75ACAC0B9415}" srcOrd="0" destOrd="0" presId="urn:microsoft.com/office/officeart/2018/5/layout/CenteredIconLabelDescriptionList"/>
-    <dgm:cxn modelId="{33B4AD6B-0648-4CCB-9540-765FE45D423C}" type="presParOf" srcId="{1FADEC10-D352-4002-9803-935D780BD2FA}" destId="{830E64FE-B2BF-4698-AA0C-68E441FB76E9}" srcOrd="1" destOrd="0" presId="urn:microsoft.com/office/officeart/2018/5/layout/CenteredIconLabelDescriptionList"/>
-    <dgm:cxn modelId="{D4139838-1319-4ABD-A370-E20D36CC6985}" type="presParOf" srcId="{1FADEC10-D352-4002-9803-935D780BD2FA}" destId="{F1C7DC51-F8E8-484D-A658-6A5E6ED2E03F}" srcOrd="2" destOrd="0" presId="urn:microsoft.com/office/officeart/2018/5/layout/CenteredIconLabelDescriptionList"/>
-    <dgm:cxn modelId="{B91DC7AD-57D7-4022-B80E-A0E89B124083}" type="presParOf" srcId="{1FADEC10-D352-4002-9803-935D780BD2FA}" destId="{F962388C-5399-41C2-9D1A-8BE7F14ACD84}" srcOrd="3" destOrd="0" presId="urn:microsoft.com/office/officeart/2018/5/layout/CenteredIconLabelDescriptionList"/>
-    <dgm:cxn modelId="{7C9EA745-EFEB-42BB-9F41-A8E1CBAA7578}" type="presParOf" srcId="{1FADEC10-D352-4002-9803-935D780BD2FA}" destId="{2155A432-082E-4685-A1D2-DDBC9AA61C84}" srcOrd="4" destOrd="0" presId="urn:microsoft.com/office/officeart/2018/5/layout/CenteredIconLabelDescriptionList"/>
-    <dgm:cxn modelId="{67934070-B919-430F-83FA-08E9347F9104}" type="presParOf" srcId="{FECB2241-D917-425B-A62A-F860E2557E95}" destId="{6707DA66-6718-456E-A700-2D61678AC4F0}" srcOrd="3" destOrd="0" presId="urn:microsoft.com/office/officeart/2018/5/layout/CenteredIconLabelDescriptionList"/>
-    <dgm:cxn modelId="{590A4DEE-7479-4B6C-B3FD-672D107D43B4}" type="presParOf" srcId="{FECB2241-D917-425B-A62A-F860E2557E95}" destId="{FD6337AE-30DD-4043-8155-6B72034F2ACF}" srcOrd="4" destOrd="0" presId="urn:microsoft.com/office/officeart/2018/5/layout/CenteredIconLabelDescriptionList"/>
-    <dgm:cxn modelId="{684F3815-030D-4072-9B36-9E60D37DEC89}" type="presParOf" srcId="{FD6337AE-30DD-4043-8155-6B72034F2ACF}" destId="{2CC68DA5-05D0-4F37-94FB-AE7F2AB93A27}" srcOrd="0" destOrd="0" presId="urn:microsoft.com/office/officeart/2018/5/layout/CenteredIconLabelDescriptionList"/>
-    <dgm:cxn modelId="{9A61F1F5-578D-492A-82A7-131570A4D916}" type="presParOf" srcId="{FD6337AE-30DD-4043-8155-6B72034F2ACF}" destId="{BE9B4462-4A35-43BC-A540-2062525A537A}" srcOrd="1" destOrd="0" presId="urn:microsoft.com/office/officeart/2018/5/layout/CenteredIconLabelDescriptionList"/>
-    <dgm:cxn modelId="{57D1302F-4B2F-4EFA-BCAE-3D2C261A9CF9}" type="presParOf" srcId="{FD6337AE-30DD-4043-8155-6B72034F2ACF}" destId="{1D7E7F65-A1D0-47FC-8633-56A2A569F58B}" srcOrd="2" destOrd="0" presId="urn:microsoft.com/office/officeart/2018/5/layout/CenteredIconLabelDescriptionList"/>
-    <dgm:cxn modelId="{A09959D5-EF9C-4B99-8CA4-2FD210E0283A}" type="presParOf" srcId="{FD6337AE-30DD-4043-8155-6B72034F2ACF}" destId="{AC874128-2B0C-4AC6-9E1A-FB73F40A6E01}" srcOrd="3" destOrd="0" presId="urn:microsoft.com/office/officeart/2018/5/layout/CenteredIconLabelDescriptionList"/>
-    <dgm:cxn modelId="{C862D5C8-D4EC-41A4-ADA3-1B3BD5145D9B}" type="presParOf" srcId="{FD6337AE-30DD-4043-8155-6B72034F2ACF}" destId="{55A0AB0B-C9FA-410A-9684-C932C022066A}" srcOrd="4" destOrd="0" presId="urn:microsoft.com/office/officeart/2018/5/layout/CenteredIconLabelDescriptionList"/>
+    <dgm:cxn modelId="{C679FAFD-EA75-4BA8-8B78-DCC6FFD73F81}" type="presOf" srcId="{EC1C71E5-E4C5-4CF4-847D-9A8ACC723994}" destId="{7B0FA195-BF49-401B-8003-A072CC69585E}" srcOrd="0" destOrd="1" presId="urn:microsoft.com/office/officeart/2018/5/layout/CenteredIconLabelDescriptionList"/>
+    <dgm:cxn modelId="{3FF6B786-EF59-4A7F-9F15-393B4CFC6E42}" type="presParOf" srcId="{FECB2241-D917-425B-A62A-F860E2557E95}" destId="{EFB3855F-112D-4D5E-AE7B-7BC956A0B9DE}" srcOrd="0" destOrd="0" presId="urn:microsoft.com/office/officeart/2018/5/layout/CenteredIconLabelDescriptionList"/>
+    <dgm:cxn modelId="{DE8C6927-835E-4830-930D-F654ADC2B0E9}" type="presParOf" srcId="{EFB3855F-112D-4D5E-AE7B-7BC956A0B9DE}" destId="{35CBE6DE-98E5-4D3F-A4F0-1B412A186F6D}" srcOrd="0" destOrd="0" presId="urn:microsoft.com/office/officeart/2018/5/layout/CenteredIconLabelDescriptionList"/>
+    <dgm:cxn modelId="{18A073C0-7139-4FB4-9C8E-7B6686AE6AF2}" type="presParOf" srcId="{EFB3855F-112D-4D5E-AE7B-7BC956A0B9DE}" destId="{80EEDDB0-7F3F-4039-8D72-B95F319361D0}" srcOrd="1" destOrd="0" presId="urn:microsoft.com/office/officeart/2018/5/layout/CenteredIconLabelDescriptionList"/>
+    <dgm:cxn modelId="{C8346902-E522-4172-B51D-8330D01C3E2A}" type="presParOf" srcId="{EFB3855F-112D-4D5E-AE7B-7BC956A0B9DE}" destId="{E8A0493D-A19E-4828-9EE7-A7248BEEFD72}" srcOrd="2" destOrd="0" presId="urn:microsoft.com/office/officeart/2018/5/layout/CenteredIconLabelDescriptionList"/>
+    <dgm:cxn modelId="{C7B1E698-186A-467C-8B1E-C16427B91005}" type="presParOf" srcId="{EFB3855F-112D-4D5E-AE7B-7BC956A0B9DE}" destId="{E6309F99-87EB-4055-AF5A-3CF31FED9589}" srcOrd="3" destOrd="0" presId="urn:microsoft.com/office/officeart/2018/5/layout/CenteredIconLabelDescriptionList"/>
+    <dgm:cxn modelId="{314133EA-B81D-4B59-BC36-AEB4C56747BD}" type="presParOf" srcId="{EFB3855F-112D-4D5E-AE7B-7BC956A0B9DE}" destId="{7B0FA195-BF49-401B-8003-A072CC69585E}" srcOrd="4" destOrd="0" presId="urn:microsoft.com/office/officeart/2018/5/layout/CenteredIconLabelDescriptionList"/>
+    <dgm:cxn modelId="{CCE42716-E601-45B3-B729-DE12200DE5F8}" type="presParOf" srcId="{FECB2241-D917-425B-A62A-F860E2557E95}" destId="{5287C58E-7AF6-4170-85D8-E32EDE1B2A29}" srcOrd="1" destOrd="0" presId="urn:microsoft.com/office/officeart/2018/5/layout/CenteredIconLabelDescriptionList"/>
+    <dgm:cxn modelId="{7FE5893E-08F0-447A-B448-0E86A313DF9D}" type="presParOf" srcId="{FECB2241-D917-425B-A62A-F860E2557E95}" destId="{1FADEC10-D352-4002-9803-935D780BD2FA}" srcOrd="2" destOrd="0" presId="urn:microsoft.com/office/officeart/2018/5/layout/CenteredIconLabelDescriptionList"/>
+    <dgm:cxn modelId="{FEBF0D02-1075-4777-B900-ECB7CCCCDE85}" type="presParOf" srcId="{1FADEC10-D352-4002-9803-935D780BD2FA}" destId="{022F78EC-FC30-4069-81DD-75ACAC0B9415}" srcOrd="0" destOrd="0" presId="urn:microsoft.com/office/officeart/2018/5/layout/CenteredIconLabelDescriptionList"/>
+    <dgm:cxn modelId="{E543A46E-D7C9-4FA4-B5C9-BFA159721813}" type="presParOf" srcId="{1FADEC10-D352-4002-9803-935D780BD2FA}" destId="{830E64FE-B2BF-4698-AA0C-68E441FB76E9}" srcOrd="1" destOrd="0" presId="urn:microsoft.com/office/officeart/2018/5/layout/CenteredIconLabelDescriptionList"/>
+    <dgm:cxn modelId="{66366979-DDD7-4CA7-959B-6D4B4FBEDDE8}" type="presParOf" srcId="{1FADEC10-D352-4002-9803-935D780BD2FA}" destId="{F1C7DC51-F8E8-484D-A658-6A5E6ED2E03F}" srcOrd="2" destOrd="0" presId="urn:microsoft.com/office/officeart/2018/5/layout/CenteredIconLabelDescriptionList"/>
+    <dgm:cxn modelId="{307B9215-5CD3-4370-BFE2-33B7B93D4573}" type="presParOf" srcId="{1FADEC10-D352-4002-9803-935D780BD2FA}" destId="{F962388C-5399-41C2-9D1A-8BE7F14ACD84}" srcOrd="3" destOrd="0" presId="urn:microsoft.com/office/officeart/2018/5/layout/CenteredIconLabelDescriptionList"/>
+    <dgm:cxn modelId="{52A8BF6D-9485-469E-8245-9DFCE05A8397}" type="presParOf" srcId="{1FADEC10-D352-4002-9803-935D780BD2FA}" destId="{2155A432-082E-4685-A1D2-DDBC9AA61C84}" srcOrd="4" destOrd="0" presId="urn:microsoft.com/office/officeart/2018/5/layout/CenteredIconLabelDescriptionList"/>
+    <dgm:cxn modelId="{D89A2A46-4D40-4A78-A708-87A2129800AD}" type="presParOf" srcId="{FECB2241-D917-425B-A62A-F860E2557E95}" destId="{6707DA66-6718-456E-A700-2D61678AC4F0}" srcOrd="3" destOrd="0" presId="urn:microsoft.com/office/officeart/2018/5/layout/CenteredIconLabelDescriptionList"/>
+    <dgm:cxn modelId="{4DC3A26E-031E-450B-B0E4-13FDC6B77868}" type="presParOf" srcId="{FECB2241-D917-425B-A62A-F860E2557E95}" destId="{FD6337AE-30DD-4043-8155-6B72034F2ACF}" srcOrd="4" destOrd="0" presId="urn:microsoft.com/office/officeart/2018/5/layout/CenteredIconLabelDescriptionList"/>
+    <dgm:cxn modelId="{E5F8BE7A-8DCA-4D95-94D4-25ACCBEED571}" type="presParOf" srcId="{FD6337AE-30DD-4043-8155-6B72034F2ACF}" destId="{2CC68DA5-05D0-4F37-94FB-AE7F2AB93A27}" srcOrd="0" destOrd="0" presId="urn:microsoft.com/office/officeart/2018/5/layout/CenteredIconLabelDescriptionList"/>
+    <dgm:cxn modelId="{7F7F653E-B578-41AE-AEAA-AD5DA11D1800}" type="presParOf" srcId="{FD6337AE-30DD-4043-8155-6B72034F2ACF}" destId="{BE9B4462-4A35-43BC-A540-2062525A537A}" srcOrd="1" destOrd="0" presId="urn:microsoft.com/office/officeart/2018/5/layout/CenteredIconLabelDescriptionList"/>
+    <dgm:cxn modelId="{A55041D9-7872-43E4-9E58-2B260278F5DF}" type="presParOf" srcId="{FD6337AE-30DD-4043-8155-6B72034F2ACF}" destId="{1D7E7F65-A1D0-47FC-8633-56A2A569F58B}" srcOrd="2" destOrd="0" presId="urn:microsoft.com/office/officeart/2018/5/layout/CenteredIconLabelDescriptionList"/>
+    <dgm:cxn modelId="{C7F1150B-0DE5-425C-A366-864083A7FBBA}" type="presParOf" srcId="{FD6337AE-30DD-4043-8155-6B72034F2ACF}" destId="{AC874128-2B0C-4AC6-9E1A-FB73F40A6E01}" srcOrd="3" destOrd="0" presId="urn:microsoft.com/office/officeart/2018/5/layout/CenteredIconLabelDescriptionList"/>
+    <dgm:cxn modelId="{BE374ABD-4D21-45E7-8FA5-30FCD41BFFB6}" type="presParOf" srcId="{FD6337AE-30DD-4043-8155-6B72034F2ACF}" destId="{55A0AB0B-C9FA-410A-9684-C932C022066A}" srcOrd="4" destOrd="0" presId="urn:microsoft.com/office/officeart/2018/5/layout/CenteredIconLabelDescriptionList"/>
   </dgm:cxnLst>
   <dgm:bg/>
   <dgm:whole/>
@@ -5507,42 +5589,9 @@
         <a:lstStyle/>
         <a:p>
           <a:r>
-            <a:rPr lang="en-CA" dirty="0"/>
-            <a:t>Utilis</a:t>
+            <a:rPr lang="en-US" dirty="0"/>
+            <a:t>Objectif</a:t>
           </a:r>
-          <a:r>
-            <a:rPr lang="fr-CA" dirty="0"/>
-            <a:t>é</a:t>
-          </a:r>
-          <a:r>
-            <a:rPr lang="en-CA" dirty="0"/>
-            <a:t> pour </a:t>
-          </a:r>
-          <a:r>
-            <a:rPr lang="en-CA" dirty="0" err="1"/>
-            <a:t>chercher</a:t>
-          </a:r>
-          <a:r>
-            <a:rPr lang="en-CA" dirty="0"/>
-            <a:t> </a:t>
-          </a:r>
-          <a:r>
-            <a:rPr lang="en-CA" dirty="0" err="1"/>
-            <a:t>lignes</a:t>
-          </a:r>
-          <a:r>
-            <a:rPr lang="en-CA" dirty="0"/>
-            <a:t> </a:t>
-          </a:r>
-          <a:r>
-            <a:rPr lang="en-CA" dirty="0" err="1"/>
-            <a:t>correspondant</a:t>
-          </a:r>
-          <a:r>
-            <a:rPr lang="en-CA" dirty="0"/>
-            <a:t> à motif</a:t>
-          </a:r>
-          <a:endParaRPr lang="en-US" dirty="0"/>
         </a:p>
       </dgm:t>
     </dgm:pt>
@@ -5867,24 +5916,44 @@
         <a:lstStyle/>
         <a:p>
           <a:r>
-            <a:rPr lang="fr-FR"/>
-            <a:t>Pour d’autres options, voire man de grep et/ou </a:t>
+            <a:rPr lang="fr-FR" dirty="0"/>
+            <a:t>Pour d’autres options, voire man de </a:t>
           </a:r>
           <a:r>
-            <a:rPr lang="en-CA"/>
+            <a:rPr lang="fr-FR" dirty="0" err="1"/>
+            <a:t>grep</a:t>
+          </a:r>
+          <a:r>
+            <a:rPr lang="fr-FR" dirty="0"/>
+            <a:t> et/ou </a:t>
+          </a:r>
+          <a:r>
+            <a:rPr lang="en-CA" dirty="0"/>
             <a:t>Notes de Cours (</a:t>
           </a:r>
           <a:r>
-            <a:rPr lang="en-CA">
+            <a:rPr lang="en-CA" dirty="0" err="1">
               <a:hlinkClick xmlns:r="http://schemas.openxmlformats.org/officeDocument/2006/relationships" r:id="rId1"/>
             </a:rPr>
-            <a:t>Chapitre 4: Expressions régulières</a:t>
+            <a:t>Chapitre</a:t>
           </a:r>
           <a:r>
-            <a:rPr lang="en-CA"/>
+            <a:rPr lang="en-CA" dirty="0">
+              <a:hlinkClick xmlns:r="http://schemas.openxmlformats.org/officeDocument/2006/relationships" r:id="rId1"/>
+            </a:rPr>
+            <a:t> 4: Expressions </a:t>
+          </a:r>
+          <a:r>
+            <a:rPr lang="en-CA" dirty="0" err="1">
+              <a:hlinkClick xmlns:r="http://schemas.openxmlformats.org/officeDocument/2006/relationships" r:id="rId1"/>
+            </a:rPr>
+            <a:t>régulières</a:t>
+          </a:r>
+          <a:r>
+            <a:rPr lang="en-CA" dirty="0"/>
             <a:t>) </a:t>
           </a:r>
-          <a:endParaRPr lang="en-US"/>
+          <a:endParaRPr lang="en-US" dirty="0"/>
         </a:p>
       </dgm:t>
     </dgm:pt>
@@ -5909,6 +5978,29 @@
           <a:endParaRPr lang="en-US"/>
         </a:p>
       </dgm:t>
+    </dgm:pt>
+    <dgm:pt modelId="{4AE51E0D-F9C3-41EF-9D0C-23295F2DED9D}">
+      <dgm:prSet/>
+      <dgm:spPr/>
+      <dgm:t>
+        <a:bodyPr/>
+        <a:lstStyle/>
+        <a:p>
+          <a:r>
+            <a:rPr lang="fr-FR"/>
+            <a:t>Permet de rechercher les lignes correspondant à un motif (pattern) dans un fichier ou dans l’entrée standard.</a:t>
+          </a:r>
+          <a:endParaRPr lang="en-US" dirty="0"/>
+        </a:p>
+      </dgm:t>
+    </dgm:pt>
+    <dgm:pt modelId="{38E7EFC4-62F5-4538-861F-7E90039D9739}" type="parTrans" cxnId="{24A3798F-E358-4D59-8F4B-B1B6040FD7A3}">
+      <dgm:prSet/>
+      <dgm:spPr/>
+    </dgm:pt>
+    <dgm:pt modelId="{080537F0-65EE-4392-84E5-B4CDC425BA3C}" type="sibTrans" cxnId="{24A3798F-E358-4D59-8F4B-B1B6040FD7A3}">
+      <dgm:prSet/>
+      <dgm:spPr/>
     </dgm:pt>
     <dgm:pt modelId="{5BD79639-A2AA-49EA-B6EE-D25908234EAC}" type="pres">
       <dgm:prSet presAssocID="{53EE2590-A807-45BF-8FC2-5F55C344D6F5}" presName="linear" presStyleCnt="0">
@@ -5985,37 +6077,39 @@
   </dgm:ptLst>
   <dgm:cxnLst>
     <dgm:cxn modelId="{D1C89A01-47A9-4BDF-8B97-B62D6DCBF65D}" srcId="{53EE2590-A807-45BF-8FC2-5F55C344D6F5}" destId="{B9940877-8873-4B00-BD9F-A52702CCC889}" srcOrd="1" destOrd="0" parTransId="{46C9C56C-0C72-4C4D-92DB-9B0712A65DEE}" sibTransId="{50612A1D-FB42-448A-8D52-403FE59CBFDD}"/>
+    <dgm:cxn modelId="{2CE2B00D-7D38-4804-978A-2A0FD8632859}" type="presOf" srcId="{019A2C95-E20C-4050-A679-345D6E04031C}" destId="{05192073-97D2-4567-86FE-05AC7C7CD54B}" srcOrd="0" destOrd="4" presId="urn:microsoft.com/office/officeart/2005/8/layout/list1"/>
     <dgm:cxn modelId="{0E823D13-298E-41E8-A19B-E74BA6B9D147}" srcId="{B9940877-8873-4B00-BD9F-A52702CCC889}" destId="{A7688D35-89B3-4DB9-AC42-F60F6B0269E5}" srcOrd="5" destOrd="0" parTransId="{4BEFE3E2-BE8D-40D8-B2C3-EDA3A7D3FB4F}" sibTransId="{34F40FB0-43C9-49E2-AA46-58BC7998FED6}"/>
-    <dgm:cxn modelId="{8262001A-A591-465E-9EE2-202A1E6FBB50}" type="presOf" srcId="{582C1BB0-EBB9-4D3E-97AC-14EF45671F57}" destId="{05192073-97D2-4567-86FE-05AC7C7CD54B}" srcOrd="0" destOrd="6" presId="urn:microsoft.com/office/officeart/2005/8/layout/list1"/>
-    <dgm:cxn modelId="{A8E4411B-5FB6-4834-9A03-42C8618B99DA}" type="presOf" srcId="{6E79FC60-3DB3-4A9C-8AEE-3BFAA238842C}" destId="{05192073-97D2-4567-86FE-05AC7C7CD54B}" srcOrd="0" destOrd="1" presId="urn:microsoft.com/office/officeart/2005/8/layout/list1"/>
-    <dgm:cxn modelId="{FDBD5C1C-E511-4497-A72D-5F16F59FB74B}" type="presOf" srcId="{B9940877-8873-4B00-BD9F-A52702CCC889}" destId="{407E9A8A-EF04-401A-930B-C9DB376810D0}" srcOrd="1" destOrd="0" presId="urn:microsoft.com/office/officeart/2005/8/layout/list1"/>
+    <dgm:cxn modelId="{B97A191A-3CD0-40D4-ADC7-64D1C95771AA}" type="presOf" srcId="{D54AEE3B-E343-4121-9D49-0AAB6B1783A4}" destId="{05192073-97D2-4567-86FE-05AC7C7CD54B}" srcOrd="0" destOrd="2" presId="urn:microsoft.com/office/officeart/2005/8/layout/list1"/>
     <dgm:cxn modelId="{84FFB62F-F233-481A-985E-0CBE63615948}" srcId="{B9940877-8873-4B00-BD9F-A52702CCC889}" destId="{D54AEE3B-E343-4121-9D49-0AAB6B1783A4}" srcOrd="2" destOrd="0" parTransId="{11AC3C34-9A3F-459C-A826-82487D4C1929}" sibTransId="{DAE34F87-6F76-4CBA-832D-9E961F68FED8}"/>
-    <dgm:cxn modelId="{3AC5944D-53CF-47FC-8766-57BA55C9CAD6}" type="presOf" srcId="{B9940877-8873-4B00-BD9F-A52702CCC889}" destId="{B21B9848-A85A-4A2D-A49E-55CB9E46F2D0}" srcOrd="0" destOrd="0" presId="urn:microsoft.com/office/officeart/2005/8/layout/list1"/>
+    <dgm:cxn modelId="{F1A56971-3F83-4C2E-99BA-0A89C85880F3}" type="presOf" srcId="{B9940877-8873-4B00-BD9F-A52702CCC889}" destId="{407E9A8A-EF04-401A-930B-C9DB376810D0}" srcOrd="1" destOrd="0" presId="urn:microsoft.com/office/officeart/2005/8/layout/list1"/>
     <dgm:cxn modelId="{C7B87C51-D3CF-43E4-95A8-A2536BB33F09}" srcId="{B9940877-8873-4B00-BD9F-A52702CCC889}" destId="{582C1BB0-EBB9-4D3E-97AC-14EF45671F57}" srcOrd="6" destOrd="0" parTransId="{6A71B4DD-D003-441C-8543-4A3A13CA0E3A}" sibTransId="{45B9217D-9234-4847-B07B-B0DB1E1A9BAC}"/>
-    <dgm:cxn modelId="{45601F74-2DBC-45E4-BE7B-B9E1D93ED4AB}" type="presOf" srcId="{BEB6E4EF-004F-4BD5-A0F0-DEC03DD89AED}" destId="{05192073-97D2-4567-86FE-05AC7C7CD54B}" srcOrd="0" destOrd="0" presId="urn:microsoft.com/office/officeart/2005/8/layout/list1"/>
+    <dgm:cxn modelId="{6D6AF559-33C8-4D0A-B6E1-CB01C11B4C15}" type="presOf" srcId="{4C954841-0201-4E36-AC1C-0C701DBC3F5B}" destId="{05192073-97D2-4567-86FE-05AC7C7CD54B}" srcOrd="0" destOrd="3" presId="urn:microsoft.com/office/officeart/2005/8/layout/list1"/>
+    <dgm:cxn modelId="{A836798B-D2D3-482F-8EE4-EB7A1AC02A13}" type="presOf" srcId="{582C1BB0-EBB9-4D3E-97AC-14EF45671F57}" destId="{05192073-97D2-4567-86FE-05AC7C7CD54B}" srcOrd="0" destOrd="6" presId="urn:microsoft.com/office/officeart/2005/8/layout/list1"/>
+    <dgm:cxn modelId="{24A3798F-E358-4D59-8F4B-B1B6040FD7A3}" srcId="{0DC0215C-B1F6-4A0C-8E9F-D6026485097B}" destId="{4AE51E0D-F9C3-41EF-9D0C-23295F2DED9D}" srcOrd="0" destOrd="0" parTransId="{38E7EFC4-62F5-4538-861F-7E90039D9739}" sibTransId="{080537F0-65EE-4392-84E5-B4CDC425BA3C}"/>
     <dgm:cxn modelId="{5E0F8A95-643C-493D-8621-03EEFA1A34B3}" srcId="{B9940877-8873-4B00-BD9F-A52702CCC889}" destId="{4C954841-0201-4E36-AC1C-0C701DBC3F5B}" srcOrd="3" destOrd="0" parTransId="{20D4F639-6F4E-4CBE-B808-F55327142AA0}" sibTransId="{8872569E-798E-4BDF-BAB4-91B0369AE830}"/>
-    <dgm:cxn modelId="{E2D2F295-F63C-467D-9AED-3C0907D0AFBA}" type="presOf" srcId="{A7688D35-89B3-4DB9-AC42-F60F6B0269E5}" destId="{05192073-97D2-4567-86FE-05AC7C7CD54B}" srcOrd="0" destOrd="5" presId="urn:microsoft.com/office/officeart/2005/8/layout/list1"/>
     <dgm:cxn modelId="{19EB7B9A-53FD-4F3B-B1FB-468C9D36EB4E}" srcId="{B9940877-8873-4B00-BD9F-A52702CCC889}" destId="{BEB6E4EF-004F-4BD5-A0F0-DEC03DD89AED}" srcOrd="0" destOrd="0" parTransId="{516822C9-30B8-4783-A534-1BC5AFC31BC1}" sibTransId="{192673C6-0F47-4259-BEAE-0692662D5CE7}"/>
-    <dgm:cxn modelId="{F9B5AB9C-876B-4401-8AE3-3FB4214873B9}" type="presOf" srcId="{019A2C95-E20C-4050-A679-345D6E04031C}" destId="{05192073-97D2-4567-86FE-05AC7C7CD54B}" srcOrd="0" destOrd="4" presId="urn:microsoft.com/office/officeart/2005/8/layout/list1"/>
-    <dgm:cxn modelId="{05FEAFA9-8503-4737-A128-77B879934368}" type="presOf" srcId="{0DC0215C-B1F6-4A0C-8E9F-D6026485097B}" destId="{D6DF0B62-DC45-4F30-A31A-4FD45FDC291B}" srcOrd="1" destOrd="0" presId="urn:microsoft.com/office/officeart/2005/8/layout/list1"/>
-    <dgm:cxn modelId="{2B7D49AE-EFF8-4D60-881C-46084C858F37}" type="presOf" srcId="{0DC0215C-B1F6-4A0C-8E9F-D6026485097B}" destId="{6231B487-8936-4C40-AAD6-C8F6FE3DABDA}" srcOrd="0" destOrd="0" presId="urn:microsoft.com/office/officeart/2005/8/layout/list1"/>
     <dgm:cxn modelId="{80A1DEB3-61A3-4F7F-B3F5-D2F1266B83A2}" srcId="{B9940877-8873-4B00-BD9F-A52702CCC889}" destId="{019A2C95-E20C-4050-A679-345D6E04031C}" srcOrd="4" destOrd="0" parTransId="{E22884A9-46AA-4EF6-8024-B2FDFB333E45}" sibTransId="{D103DE1A-2231-4FF1-9979-8A6AFEAFC3A5}"/>
+    <dgm:cxn modelId="{A9649EB5-C234-4D0C-B59D-E23ED94E3CE2}" type="presOf" srcId="{B9940877-8873-4B00-BD9F-A52702CCC889}" destId="{B21B9848-A85A-4A2D-A49E-55CB9E46F2D0}" srcOrd="0" destOrd="0" presId="urn:microsoft.com/office/officeart/2005/8/layout/list1"/>
+    <dgm:cxn modelId="{C31474BA-E531-46ED-8FC7-7BB1D95D5FC0}" type="presOf" srcId="{BEB6E4EF-004F-4BD5-A0F0-DEC03DD89AED}" destId="{05192073-97D2-4567-86FE-05AC7C7CD54B}" srcOrd="0" destOrd="0" presId="urn:microsoft.com/office/officeart/2005/8/layout/list1"/>
     <dgm:cxn modelId="{7D9D54BF-4E7B-44AF-A927-38C2972DF2BC}" srcId="{53EE2590-A807-45BF-8FC2-5F55C344D6F5}" destId="{0DC0215C-B1F6-4A0C-8E9F-D6026485097B}" srcOrd="0" destOrd="0" parTransId="{EB1A1A1D-0157-437A-B196-3A8DB4AEE8F9}" sibTransId="{6F5B9192-EEF0-4204-BC0A-532175C1F628}"/>
-    <dgm:cxn modelId="{AF2A43C4-22E5-4219-AC93-58CE5E69910D}" type="presOf" srcId="{4C954841-0201-4E36-AC1C-0C701DBC3F5B}" destId="{05192073-97D2-4567-86FE-05AC7C7CD54B}" srcOrd="0" destOrd="3" presId="urn:microsoft.com/office/officeart/2005/8/layout/list1"/>
+    <dgm:cxn modelId="{F4A9A3C3-8E5B-4F1A-910C-2C50B1E60731}" type="presOf" srcId="{0DC0215C-B1F6-4A0C-8E9F-D6026485097B}" destId="{6231B487-8936-4C40-AAD6-C8F6FE3DABDA}" srcOrd="0" destOrd="0" presId="urn:microsoft.com/office/officeart/2005/8/layout/list1"/>
+    <dgm:cxn modelId="{5B5C59CA-0FF6-40EB-8EFC-1F677FFBC501}" type="presOf" srcId="{0DC0215C-B1F6-4A0C-8E9F-D6026485097B}" destId="{D6DF0B62-DC45-4F30-A31A-4FD45FDC291B}" srcOrd="1" destOrd="0" presId="urn:microsoft.com/office/officeart/2005/8/layout/list1"/>
     <dgm:cxn modelId="{C07EC7CF-5241-4942-9847-195C365DD654}" type="presOf" srcId="{53EE2590-A807-45BF-8FC2-5F55C344D6F5}" destId="{5BD79639-A2AA-49EA-B6EE-D25908234EAC}" srcOrd="0" destOrd="0" presId="urn:microsoft.com/office/officeart/2005/8/layout/list1"/>
+    <dgm:cxn modelId="{3B21E4DE-CACD-44B0-974C-D047EB38C300}" type="presOf" srcId="{6E79FC60-3DB3-4A9C-8AEE-3BFAA238842C}" destId="{05192073-97D2-4567-86FE-05AC7C7CD54B}" srcOrd="0" destOrd="1" presId="urn:microsoft.com/office/officeart/2005/8/layout/list1"/>
     <dgm:cxn modelId="{45CDE2E4-FE3E-43F8-A05D-9A7521807668}" srcId="{B9940877-8873-4B00-BD9F-A52702CCC889}" destId="{6E79FC60-3DB3-4A9C-8AEE-3BFAA238842C}" srcOrd="1" destOrd="0" parTransId="{B8F0E50F-6837-47F3-A0E0-89410569B062}" sibTransId="{5B84605B-7DBF-49BD-A261-5AFD46E7C72A}"/>
-    <dgm:cxn modelId="{7C05AFE6-10AF-4AB1-93A4-C96B60189B22}" type="presOf" srcId="{D54AEE3B-E343-4121-9D49-0AAB6B1783A4}" destId="{05192073-97D2-4567-86FE-05AC7C7CD54B}" srcOrd="0" destOrd="2" presId="urn:microsoft.com/office/officeart/2005/8/layout/list1"/>
-    <dgm:cxn modelId="{512847F0-EA69-494E-9D95-27B90F1C0B71}" type="presParOf" srcId="{5BD79639-A2AA-49EA-B6EE-D25908234EAC}" destId="{018B64EB-69B9-479B-8D03-ED1C6AB7BF65}" srcOrd="0" destOrd="0" presId="urn:microsoft.com/office/officeart/2005/8/layout/list1"/>
-    <dgm:cxn modelId="{24CA5887-A10F-42A2-A8E1-C82960FC738C}" type="presParOf" srcId="{018B64EB-69B9-479B-8D03-ED1C6AB7BF65}" destId="{6231B487-8936-4C40-AAD6-C8F6FE3DABDA}" srcOrd="0" destOrd="0" presId="urn:microsoft.com/office/officeart/2005/8/layout/list1"/>
-    <dgm:cxn modelId="{4DDD7B40-AA18-479D-85B9-850DF10FFD30}" type="presParOf" srcId="{018B64EB-69B9-479B-8D03-ED1C6AB7BF65}" destId="{D6DF0B62-DC45-4F30-A31A-4FD45FDC291B}" srcOrd="1" destOrd="0" presId="urn:microsoft.com/office/officeart/2005/8/layout/list1"/>
-    <dgm:cxn modelId="{23AB3EBC-43F5-49DE-B845-BCC8C1D1AD6F}" type="presParOf" srcId="{5BD79639-A2AA-49EA-B6EE-D25908234EAC}" destId="{B06C1224-7C1E-4116-B37E-F4124D11186F}" srcOrd="1" destOrd="0" presId="urn:microsoft.com/office/officeart/2005/8/layout/list1"/>
-    <dgm:cxn modelId="{BBACCE5B-3887-485A-9B27-645B6D7F55D4}" type="presParOf" srcId="{5BD79639-A2AA-49EA-B6EE-D25908234EAC}" destId="{9900BDBD-0754-452C-8931-657ECD1E2061}" srcOrd="2" destOrd="0" presId="urn:microsoft.com/office/officeart/2005/8/layout/list1"/>
-    <dgm:cxn modelId="{FD446AF9-6791-4E1A-B9FE-C4296E0C702B}" type="presParOf" srcId="{5BD79639-A2AA-49EA-B6EE-D25908234EAC}" destId="{B0B1097F-99A9-461B-9C4B-D74E10DAEC3B}" srcOrd="3" destOrd="0" presId="urn:microsoft.com/office/officeart/2005/8/layout/list1"/>
-    <dgm:cxn modelId="{A138B40D-0913-4406-AC85-79192CC3F188}" type="presParOf" srcId="{5BD79639-A2AA-49EA-B6EE-D25908234EAC}" destId="{464B5E28-010F-4B20-82DE-F2A4AD597CF6}" srcOrd="4" destOrd="0" presId="urn:microsoft.com/office/officeart/2005/8/layout/list1"/>
-    <dgm:cxn modelId="{B684517B-2FEB-4462-BCCB-BAB5A195FD70}" type="presParOf" srcId="{464B5E28-010F-4B20-82DE-F2A4AD597CF6}" destId="{B21B9848-A85A-4A2D-A49E-55CB9E46F2D0}" srcOrd="0" destOrd="0" presId="urn:microsoft.com/office/officeart/2005/8/layout/list1"/>
-    <dgm:cxn modelId="{774C50C4-BCC1-4F8E-9991-5E9D0CB58BE5}" type="presParOf" srcId="{464B5E28-010F-4B20-82DE-F2A4AD597CF6}" destId="{407E9A8A-EF04-401A-930B-C9DB376810D0}" srcOrd="1" destOrd="0" presId="urn:microsoft.com/office/officeart/2005/8/layout/list1"/>
-    <dgm:cxn modelId="{4A47EEDD-96B2-4863-8E6B-6BD1FCE20C9F}" type="presParOf" srcId="{5BD79639-A2AA-49EA-B6EE-D25908234EAC}" destId="{84A9FC66-E4FB-4167-8AAE-AEA172830C37}" srcOrd="5" destOrd="0" presId="urn:microsoft.com/office/officeart/2005/8/layout/list1"/>
-    <dgm:cxn modelId="{70BE2A20-40E8-4870-86B7-2EF4B66C741C}" type="presParOf" srcId="{5BD79639-A2AA-49EA-B6EE-D25908234EAC}" destId="{05192073-97D2-4567-86FE-05AC7C7CD54B}" srcOrd="6" destOrd="0" presId="urn:microsoft.com/office/officeart/2005/8/layout/list1"/>
+    <dgm:cxn modelId="{96F60CE9-987B-4CFB-A5FB-60F11EDB7836}" type="presOf" srcId="{A7688D35-89B3-4DB9-AC42-F60F6B0269E5}" destId="{05192073-97D2-4567-86FE-05AC7C7CD54B}" srcOrd="0" destOrd="5" presId="urn:microsoft.com/office/officeart/2005/8/layout/list1"/>
+    <dgm:cxn modelId="{EDD823FB-E6D7-417A-987E-C0D9E9ACC41D}" type="presOf" srcId="{4AE51E0D-F9C3-41EF-9D0C-23295F2DED9D}" destId="{9900BDBD-0754-452C-8931-657ECD1E2061}" srcOrd="0" destOrd="0" presId="urn:microsoft.com/office/officeart/2005/8/layout/list1"/>
+    <dgm:cxn modelId="{12E2BFF3-426A-4060-8BE7-845824121869}" type="presParOf" srcId="{5BD79639-A2AA-49EA-B6EE-D25908234EAC}" destId="{018B64EB-69B9-479B-8D03-ED1C6AB7BF65}" srcOrd="0" destOrd="0" presId="urn:microsoft.com/office/officeart/2005/8/layout/list1"/>
+    <dgm:cxn modelId="{3006C88D-EA83-4287-8808-F4C0468DE4A0}" type="presParOf" srcId="{018B64EB-69B9-479B-8D03-ED1C6AB7BF65}" destId="{6231B487-8936-4C40-AAD6-C8F6FE3DABDA}" srcOrd="0" destOrd="0" presId="urn:microsoft.com/office/officeart/2005/8/layout/list1"/>
+    <dgm:cxn modelId="{CD302EA1-FBA5-4715-8F4F-AD82ECC419B8}" type="presParOf" srcId="{018B64EB-69B9-479B-8D03-ED1C6AB7BF65}" destId="{D6DF0B62-DC45-4F30-A31A-4FD45FDC291B}" srcOrd="1" destOrd="0" presId="urn:microsoft.com/office/officeart/2005/8/layout/list1"/>
+    <dgm:cxn modelId="{3AF986CF-859D-457A-9326-1B4FA166F0DE}" type="presParOf" srcId="{5BD79639-A2AA-49EA-B6EE-D25908234EAC}" destId="{B06C1224-7C1E-4116-B37E-F4124D11186F}" srcOrd="1" destOrd="0" presId="urn:microsoft.com/office/officeart/2005/8/layout/list1"/>
+    <dgm:cxn modelId="{FA43486F-D2B8-459A-939C-6065019EBEA2}" type="presParOf" srcId="{5BD79639-A2AA-49EA-B6EE-D25908234EAC}" destId="{9900BDBD-0754-452C-8931-657ECD1E2061}" srcOrd="2" destOrd="0" presId="urn:microsoft.com/office/officeart/2005/8/layout/list1"/>
+    <dgm:cxn modelId="{5D7428B1-0637-4964-A295-E52BBF0AC8D0}" type="presParOf" srcId="{5BD79639-A2AA-49EA-B6EE-D25908234EAC}" destId="{B0B1097F-99A9-461B-9C4B-D74E10DAEC3B}" srcOrd="3" destOrd="0" presId="urn:microsoft.com/office/officeart/2005/8/layout/list1"/>
+    <dgm:cxn modelId="{3DDA5353-C09C-4578-A3E6-95AD96EE8D09}" type="presParOf" srcId="{5BD79639-A2AA-49EA-B6EE-D25908234EAC}" destId="{464B5E28-010F-4B20-82DE-F2A4AD597CF6}" srcOrd="4" destOrd="0" presId="urn:microsoft.com/office/officeart/2005/8/layout/list1"/>
+    <dgm:cxn modelId="{CB73F705-8BE1-433A-94DA-8C8B6B42D395}" type="presParOf" srcId="{464B5E28-010F-4B20-82DE-F2A4AD597CF6}" destId="{B21B9848-A85A-4A2D-A49E-55CB9E46F2D0}" srcOrd="0" destOrd="0" presId="urn:microsoft.com/office/officeart/2005/8/layout/list1"/>
+    <dgm:cxn modelId="{BE121280-30AD-426D-BACC-2E414B8A332E}" type="presParOf" srcId="{464B5E28-010F-4B20-82DE-F2A4AD597CF6}" destId="{407E9A8A-EF04-401A-930B-C9DB376810D0}" srcOrd="1" destOrd="0" presId="urn:microsoft.com/office/officeart/2005/8/layout/list1"/>
+    <dgm:cxn modelId="{6588BE5A-05EF-4396-B6A7-17E56F3006D5}" type="presParOf" srcId="{5BD79639-A2AA-49EA-B6EE-D25908234EAC}" destId="{84A9FC66-E4FB-4167-8AAE-AEA172830C37}" srcOrd="5" destOrd="0" presId="urn:microsoft.com/office/officeart/2005/8/layout/list1"/>
+    <dgm:cxn modelId="{E757CC14-F687-48E2-8CCE-C6B5BCF1279D}" type="presParOf" srcId="{5BD79639-A2AA-49EA-B6EE-D25908234EAC}" destId="{05192073-97D2-4567-86FE-05AC7C7CD54B}" srcOrd="6" destOrd="0" presId="urn:microsoft.com/office/officeart/2005/8/layout/list1"/>
   </dgm:cxnLst>
   <dgm:bg/>
   <dgm:whole/>
@@ -7319,7 +7413,7 @@
       </dsp:nvSpPr>
       <dsp:spPr>
         <a:xfrm>
-          <a:off x="979832" y="858364"/>
+          <a:off x="979832" y="766467"/>
           <a:ext cx="1049835" cy="1049835"/>
         </a:xfrm>
         <a:prstGeom prst="rect">
@@ -7341,14 +7435,7 @@
           </a:stretch>
         </a:blipFill>
         <a:ln w="12700" cap="flat" cmpd="sng" algn="ctr">
-          <a:solidFill>
-            <a:schemeClr val="lt1">
-              <a:hueOff val="0"/>
-              <a:satOff val="0"/>
-              <a:lumOff val="0"/>
-              <a:alphaOff val="0"/>
-            </a:schemeClr>
-          </a:solidFill>
+          <a:noFill/>
           <a:prstDash val="solid"/>
         </a:ln>
         <a:effectLst/>
@@ -7375,8 +7462,8 @@
       </dsp:nvSpPr>
       <dsp:spPr>
         <a:xfrm>
-          <a:off x="4985" y="1994582"/>
-          <a:ext cx="2999531" cy="660834"/>
+          <a:off x="4985" y="1910588"/>
+          <a:ext cx="2999531" cy="590532"/>
         </a:xfrm>
         <a:prstGeom prst="rect">
           <a:avLst/>
@@ -7407,7 +7494,7 @@
         <a:p>
           <a:pPr marL="0" lvl="0" indent="0" algn="ctr" defTabSz="622300">
             <a:lnSpc>
-              <a:spcPct val="100000"/>
+              <a:spcPct val="90000"/>
             </a:lnSpc>
             <a:spcBef>
               <a:spcPct val="0"/>
@@ -7419,15 +7506,15 @@
             <a:defRPr b="1"/>
           </a:pPr>
           <a:r>
-            <a:rPr lang="fr-CA" sz="1400" kern="1200" dirty="0"/>
+            <a:rPr lang="fr-CA" sz="1400" kern="1200"/>
             <a:t>Classe de caractères</a:t>
           </a:r>
-          <a:endParaRPr lang="en-US" sz="1400" kern="1200" dirty="0"/>
+          <a:endParaRPr lang="en-US" sz="1400" kern="1200"/>
         </a:p>
       </dsp:txBody>
       <dsp:txXfrm>
-        <a:off x="4985" y="1994582"/>
-        <a:ext cx="2999531" cy="660834"/>
+        <a:off x="4985" y="1910588"/>
+        <a:ext cx="2999531" cy="590532"/>
       </dsp:txXfrm>
     </dsp:sp>
     <dsp:sp modelId="{7B0FA195-BF49-401B-8003-A072CC69585E}">
@@ -7437,8 +7524,8 @@
       </dsp:nvSpPr>
       <dsp:spPr>
         <a:xfrm>
-          <a:off x="4985" y="2695594"/>
-          <a:ext cx="2999531" cy="171653"/>
+          <a:off x="4985" y="2544974"/>
+          <a:ext cx="2999531" cy="414169"/>
         </a:xfrm>
         <a:prstGeom prst="rect">
           <a:avLst/>
@@ -7461,6 +7548,57 @@
         </a:effectRef>
         <a:fontRef idx="minor"/>
       </dsp:style>
+      <dsp:txBody>
+        <a:bodyPr spcFirstLastPara="0" vert="horz" wrap="square" lIns="0" tIns="0" rIns="0" bIns="0" numCol="1" spcCol="1270" anchor="t" anchorCtr="0">
+          <a:noAutofit/>
+        </a:bodyPr>
+        <a:lstStyle/>
+        <a:p>
+          <a:pPr marL="0" lvl="0" indent="0" algn="ctr" defTabSz="488950">
+            <a:lnSpc>
+              <a:spcPct val="90000"/>
+            </a:lnSpc>
+            <a:spcBef>
+              <a:spcPct val="0"/>
+            </a:spcBef>
+            <a:spcAft>
+              <a:spcPct val="35000"/>
+            </a:spcAft>
+            <a:buNone/>
+          </a:pPr>
+          <a:r>
+            <a:rPr lang="en-US" sz="1100" kern="1200" dirty="0"/>
+            <a:t>[:class:]</a:t>
+          </a:r>
+        </a:p>
+        <a:p>
+          <a:pPr marL="57150" lvl="1" indent="-57150" algn="ctr" defTabSz="488950">
+            <a:lnSpc>
+              <a:spcPct val="90000"/>
+            </a:lnSpc>
+            <a:spcBef>
+              <a:spcPct val="0"/>
+            </a:spcBef>
+            <a:spcAft>
+              <a:spcPct val="15000"/>
+            </a:spcAft>
+            <a:buChar char="•"/>
+          </a:pPr>
+          <a:r>
+            <a:rPr lang="en-US" sz="1100" kern="1200" dirty="0"/>
+            <a:t>Ex: lower, upper, digit, alpha, </a:t>
+          </a:r>
+          <a:r>
+            <a:rPr lang="en-US" sz="1100" kern="1200" dirty="0" err="1"/>
+            <a:t>etc</a:t>
+          </a:r>
+          <a:endParaRPr lang="en-US" sz="1100" kern="1200" dirty="0"/>
+        </a:p>
+      </dsp:txBody>
+      <dsp:txXfrm>
+        <a:off x="4985" y="2544974"/>
+        <a:ext cx="2999531" cy="414169"/>
+      </dsp:txXfrm>
     </dsp:sp>
     <dsp:sp modelId="{022F78EC-FC30-4069-81DD-75ACAC0B9415}">
       <dsp:nvSpPr>
@@ -7469,7 +7607,7 @@
       </dsp:nvSpPr>
       <dsp:spPr>
         <a:xfrm>
-          <a:off x="4504282" y="742530"/>
+          <a:off x="4504282" y="686705"/>
           <a:ext cx="1049835" cy="1049835"/>
         </a:xfrm>
         <a:prstGeom prst="rect">
@@ -7491,14 +7629,7 @@
           </a:stretch>
         </a:blipFill>
         <a:ln w="12700" cap="flat" cmpd="sng" algn="ctr">
-          <a:solidFill>
-            <a:schemeClr val="lt1">
-              <a:hueOff val="0"/>
-              <a:satOff val="0"/>
-              <a:lumOff val="0"/>
-              <a:alphaOff val="0"/>
-            </a:schemeClr>
-          </a:solidFill>
+          <a:noFill/>
           <a:prstDash val="solid"/>
         </a:ln>
         <a:effectLst/>
@@ -7525,8 +7656,8 @@
       </dsp:nvSpPr>
       <dsp:spPr>
         <a:xfrm>
-          <a:off x="3529434" y="1888709"/>
-          <a:ext cx="2999531" cy="660834"/>
+          <a:off x="3529434" y="1837686"/>
+          <a:ext cx="2999531" cy="590532"/>
         </a:xfrm>
         <a:prstGeom prst="rect">
           <a:avLst/>
@@ -7557,7 +7688,7 @@
         <a:p>
           <a:pPr marL="0" lvl="0" indent="0" algn="ctr" defTabSz="622300">
             <a:lnSpc>
-              <a:spcPct val="100000"/>
+              <a:spcPct val="90000"/>
             </a:lnSpc>
             <a:spcBef>
               <a:spcPct val="0"/>
@@ -7576,8 +7707,8 @@
         </a:p>
       </dsp:txBody>
       <dsp:txXfrm>
-        <a:off x="3529434" y="1888709"/>
-        <a:ext cx="2999531" cy="660834"/>
+        <a:off x="3529434" y="1837686"/>
+        <a:ext cx="2999531" cy="590532"/>
       </dsp:txXfrm>
     </dsp:sp>
     <dsp:sp modelId="{2155A432-082E-4685-A1D2-DDBC9AA61C84}">
@@ -7587,8 +7718,8 @@
       </dsp:nvSpPr>
       <dsp:spPr>
         <a:xfrm>
-          <a:off x="3529434" y="2594355"/>
-          <a:ext cx="2999531" cy="388726"/>
+          <a:off x="3529434" y="2475262"/>
+          <a:ext cx="2999531" cy="563643"/>
         </a:xfrm>
         <a:prstGeom prst="rect">
           <a:avLst/>
@@ -7617,9 +7748,9 @@
         </a:bodyPr>
         <a:lstStyle/>
         <a:p>
-          <a:pPr marL="0" lvl="0" indent="0" algn="l" defTabSz="488950">
+          <a:pPr marL="0" lvl="0" indent="0" algn="ctr" defTabSz="488950">
             <a:lnSpc>
-              <a:spcPct val="100000"/>
+              <a:spcPct val="90000"/>
             </a:lnSpc>
             <a:spcBef>
               <a:spcPct val="0"/>
@@ -7630,13 +7761,13 @@
             <a:buNone/>
           </a:pPr>
           <a:r>
-            <a:rPr lang="fr-FR" sz="1100" kern="1200"/>
+            <a:rPr lang="fr-FR" sz="1100" kern="1200" dirty="0"/>
             <a:t>[=e=] : classe d’équivalence du caractère e</a:t>
           </a:r>
-          <a:endParaRPr lang="en-US" sz="1100" kern="1200"/>
+          <a:endParaRPr lang="en-US" sz="1100" kern="1200" dirty="0"/>
         </a:p>
         <a:p>
-          <a:pPr marL="57150" lvl="1" indent="-57150" algn="l" defTabSz="488950">
+          <a:pPr marL="57150" lvl="1" indent="-57150" algn="ctr" defTabSz="488950">
             <a:lnSpc>
               <a:spcPct val="90000"/>
             </a:lnSpc>
@@ -7654,10 +7785,28 @@
           </a:r>
           <a:endParaRPr lang="en-US" sz="1100" kern="1200"/>
         </a:p>
+        <a:p>
+          <a:pPr marL="57150" lvl="1" indent="-57150" algn="ctr" defTabSz="488950">
+            <a:lnSpc>
+              <a:spcPct val="90000"/>
+            </a:lnSpc>
+            <a:spcBef>
+              <a:spcPct val="0"/>
+            </a:spcBef>
+            <a:spcAft>
+              <a:spcPct val="15000"/>
+            </a:spcAft>
+            <a:buChar char="•"/>
+          </a:pPr>
+          <a:r>
+            <a:rPr lang="en-US" sz="1100" kern="1200" dirty="0"/>
+            <a:t>GREP: [[=e=]]</a:t>
+          </a:r>
+        </a:p>
       </dsp:txBody>
       <dsp:txXfrm>
-        <a:off x="3529434" y="2594355"/>
-        <a:ext cx="2999531" cy="388726"/>
+        <a:off x="3529434" y="2475262"/>
+        <a:ext cx="2999531" cy="563643"/>
       </dsp:txXfrm>
     </dsp:sp>
     <dsp:sp modelId="{2CC68DA5-05D0-4F37-94FB-AE7F2AB93A27}">
@@ -7667,7 +7816,7 @@
       </dsp:nvSpPr>
       <dsp:spPr>
         <a:xfrm>
-          <a:off x="8028731" y="742530"/>
+          <a:off x="8028731" y="686705"/>
           <a:ext cx="1049835" cy="1049835"/>
         </a:xfrm>
         <a:prstGeom prst="rect">
@@ -7689,14 +7838,7 @@
           </a:stretch>
         </a:blipFill>
         <a:ln w="12700" cap="flat" cmpd="sng" algn="ctr">
-          <a:solidFill>
-            <a:schemeClr val="lt1">
-              <a:hueOff val="0"/>
-              <a:satOff val="0"/>
-              <a:lumOff val="0"/>
-              <a:alphaOff val="0"/>
-            </a:schemeClr>
-          </a:solidFill>
+          <a:noFill/>
           <a:prstDash val="solid"/>
         </a:ln>
         <a:effectLst/>
@@ -7723,8 +7865,8 @@
       </dsp:nvSpPr>
       <dsp:spPr>
         <a:xfrm>
-          <a:off x="7053883" y="1888709"/>
-          <a:ext cx="2999531" cy="660834"/>
+          <a:off x="7053883" y="1837686"/>
+          <a:ext cx="2999531" cy="590532"/>
         </a:xfrm>
         <a:prstGeom prst="rect">
           <a:avLst/>
@@ -7755,7 +7897,7 @@
         <a:p>
           <a:pPr marL="0" lvl="0" indent="0" algn="ctr" defTabSz="622300">
             <a:lnSpc>
-              <a:spcPct val="100000"/>
+              <a:spcPct val="90000"/>
             </a:lnSpc>
             <a:spcBef>
               <a:spcPct val="0"/>
@@ -7767,12 +7909,8 @@
             <a:defRPr b="1"/>
           </a:pPr>
           <a:r>
-            <a:rPr lang="en-CA" sz="1400" kern="1200" dirty="0" err="1"/>
-            <a:t>Voir</a:t>
-          </a:r>
-          <a:r>
             <a:rPr lang="en-CA" sz="1400" kern="1200" dirty="0"/>
-            <a:t> Notes de Cours (</a:t>
+            <a:t>Voir Notes de Cours (</a:t>
           </a:r>
           <a:r>
             <a:rPr lang="en-CA" sz="1400" kern="1200" dirty="0" err="1">
@@ -7804,8 +7942,8 @@
         </a:p>
       </dsp:txBody>
       <dsp:txXfrm>
-        <a:off x="7053883" y="1888709"/>
-        <a:ext cx="2999531" cy="660834"/>
+        <a:off x="7053883" y="1837686"/>
+        <a:ext cx="2999531" cy="590532"/>
       </dsp:txXfrm>
     </dsp:sp>
     <dsp:sp modelId="{55A0AB0B-C9FA-410A-9684-C932C022066A}">
@@ -7815,8 +7953,8 @@
       </dsp:nvSpPr>
       <dsp:spPr>
         <a:xfrm>
-          <a:off x="7053883" y="2594355"/>
-          <a:ext cx="2999531" cy="388726"/>
+          <a:off x="7053883" y="2475262"/>
+          <a:ext cx="2999531" cy="563643"/>
         </a:xfrm>
         <a:prstGeom prst="rect">
           <a:avLst/>
@@ -7859,8 +7997,8 @@
       </dsp:nvSpPr>
       <dsp:spPr>
         <a:xfrm>
-          <a:off x="0" y="290730"/>
-          <a:ext cx="10058399" cy="428400"/>
+          <a:off x="0" y="239430"/>
+          <a:ext cx="10058399" cy="850500"/>
         </a:xfrm>
         <a:prstGeom prst="rect">
           <a:avLst/>
@@ -7899,6 +8037,35 @@
         </a:effectRef>
         <a:fontRef idx="minor"/>
       </dsp:style>
+      <dsp:txBody>
+        <a:bodyPr spcFirstLastPara="0" vert="horz" wrap="square" lIns="780644" tIns="312420" rIns="780644" bIns="106680" numCol="1" spcCol="1270" anchor="t" anchorCtr="0">
+          <a:noAutofit/>
+        </a:bodyPr>
+        <a:lstStyle/>
+        <a:p>
+          <a:pPr marL="114300" lvl="1" indent="-114300" algn="l" defTabSz="666750">
+            <a:lnSpc>
+              <a:spcPct val="90000"/>
+            </a:lnSpc>
+            <a:spcBef>
+              <a:spcPct val="0"/>
+            </a:spcBef>
+            <a:spcAft>
+              <a:spcPct val="15000"/>
+            </a:spcAft>
+            <a:buChar char="•"/>
+          </a:pPr>
+          <a:r>
+            <a:rPr lang="fr-FR" sz="1500" kern="1200"/>
+            <a:t>Permet de rechercher les lignes correspondant à un motif (pattern) dans un fichier ou dans l’entrée standard.</a:t>
+          </a:r>
+          <a:endParaRPr lang="en-US" sz="1500" kern="1200" dirty="0"/>
+        </a:p>
+      </dsp:txBody>
+      <dsp:txXfrm>
+        <a:off x="0" y="239430"/>
+        <a:ext cx="10058399" cy="850500"/>
+      </dsp:txXfrm>
     </dsp:sp>
     <dsp:sp modelId="{D6DF0B62-DC45-4F30-A31A-4FD45FDC291B}">
       <dsp:nvSpPr>
@@ -7907,8 +8074,8 @@
       </dsp:nvSpPr>
       <dsp:spPr>
         <a:xfrm>
-          <a:off x="502920" y="39810"/>
-          <a:ext cx="7040880" cy="501840"/>
+          <a:off x="502920" y="18030"/>
+          <a:ext cx="7040880" cy="442800"/>
         </a:xfrm>
         <a:prstGeom prst="roundRect">
           <a:avLst/>
@@ -7954,7 +8121,7 @@
         </a:bodyPr>
         <a:lstStyle/>
         <a:p>
-          <a:pPr marL="0" lvl="0" indent="0" algn="l" defTabSz="755650">
+          <a:pPr marL="0" lvl="0" indent="0" algn="l" defTabSz="666750">
             <a:lnSpc>
               <a:spcPct val="90000"/>
             </a:lnSpc>
@@ -7967,47 +8134,14 @@
             <a:buNone/>
           </a:pPr>
           <a:r>
-            <a:rPr lang="en-CA" sz="1700" kern="1200" dirty="0"/>
-            <a:t>Utilis</a:t>
+            <a:rPr lang="en-US" sz="1500" kern="1200" dirty="0"/>
+            <a:t>Objectif</a:t>
           </a:r>
-          <a:r>
-            <a:rPr lang="fr-CA" sz="1700" kern="1200" dirty="0"/>
-            <a:t>é</a:t>
-          </a:r>
-          <a:r>
-            <a:rPr lang="en-CA" sz="1700" kern="1200" dirty="0"/>
-            <a:t> pour </a:t>
-          </a:r>
-          <a:r>
-            <a:rPr lang="en-CA" sz="1700" kern="1200" dirty="0" err="1"/>
-            <a:t>chercher</a:t>
-          </a:r>
-          <a:r>
-            <a:rPr lang="en-CA" sz="1700" kern="1200" dirty="0"/>
-            <a:t> </a:t>
-          </a:r>
-          <a:r>
-            <a:rPr lang="en-CA" sz="1700" kern="1200" dirty="0" err="1"/>
-            <a:t>lignes</a:t>
-          </a:r>
-          <a:r>
-            <a:rPr lang="en-CA" sz="1700" kern="1200" dirty="0"/>
-            <a:t> </a:t>
-          </a:r>
-          <a:r>
-            <a:rPr lang="en-CA" sz="1700" kern="1200" dirty="0" err="1"/>
-            <a:t>correspondant</a:t>
-          </a:r>
-          <a:r>
-            <a:rPr lang="en-CA" sz="1700" kern="1200" dirty="0"/>
-            <a:t> à motif</a:t>
-          </a:r>
-          <a:endParaRPr lang="en-US" sz="1700" kern="1200" dirty="0"/>
         </a:p>
       </dsp:txBody>
       <dsp:txXfrm>
-        <a:off x="527418" y="64308"/>
-        <a:ext cx="6991884" cy="452844"/>
+        <a:off x="524536" y="39646"/>
+        <a:ext cx="6997648" cy="399568"/>
       </dsp:txXfrm>
     </dsp:sp>
     <dsp:sp modelId="{05192073-97D2-4567-86FE-05AC7C7CD54B}">
@@ -8017,8 +8151,8 @@
       </dsp:nvSpPr>
       <dsp:spPr>
         <a:xfrm>
-          <a:off x="0" y="1061850"/>
-          <a:ext cx="10058399" cy="2623950"/>
+          <a:off x="0" y="1392331"/>
+          <a:ext cx="10058399" cy="2315250"/>
         </a:xfrm>
         <a:prstGeom prst="rect">
           <a:avLst/>
@@ -8058,12 +8192,12 @@
         <a:fontRef idx="minor"/>
       </dsp:style>
       <dsp:txBody>
-        <a:bodyPr spcFirstLastPara="0" vert="horz" wrap="square" lIns="780644" tIns="354076" rIns="780644" bIns="120904" numCol="1" spcCol="1270" anchor="t" anchorCtr="0">
+        <a:bodyPr spcFirstLastPara="0" vert="horz" wrap="square" lIns="780644" tIns="312420" rIns="780644" bIns="106680" numCol="1" spcCol="1270" anchor="t" anchorCtr="0">
           <a:noAutofit/>
         </a:bodyPr>
         <a:lstStyle/>
         <a:p>
-          <a:pPr marL="171450" lvl="1" indent="-171450" algn="l" defTabSz="755650">
+          <a:pPr marL="114300" lvl="1" indent="-114300" algn="l" defTabSz="666750">
             <a:lnSpc>
               <a:spcPct val="90000"/>
             </a:lnSpc>
@@ -8076,13 +8210,13 @@
             <a:buChar char="•"/>
           </a:pPr>
           <a:r>
-            <a:rPr lang="fr-FR" sz="1700" kern="1200" dirty="0"/>
+            <a:rPr lang="fr-FR" sz="1500" kern="1200" dirty="0"/>
             <a:t>-i, --ignore-case ignorer la casse (majuscule/minuscule)</a:t>
           </a:r>
-          <a:endParaRPr lang="en-US" sz="1700" kern="1200" dirty="0"/>
+          <a:endParaRPr lang="en-US" sz="1500" kern="1200" dirty="0"/>
         </a:p>
         <a:p>
-          <a:pPr marL="171450" lvl="1" indent="-171450" algn="l" defTabSz="755650">
+          <a:pPr marL="114300" lvl="1" indent="-114300" algn="l" defTabSz="666750">
             <a:lnSpc>
               <a:spcPct val="90000"/>
             </a:lnSpc>
@@ -8095,13 +8229,13 @@
             <a:buChar char="•"/>
           </a:pPr>
           <a:r>
-            <a:rPr lang="fr-FR" sz="1700" kern="1200" dirty="0"/>
+            <a:rPr lang="fr-FR" sz="1500" kern="1200" dirty="0"/>
             <a:t>-c, --count compter le nombre de correspondances</a:t>
           </a:r>
-          <a:endParaRPr lang="en-US" sz="1700" kern="1200" dirty="0"/>
+          <a:endParaRPr lang="en-US" sz="1500" kern="1200" dirty="0"/>
         </a:p>
         <a:p>
-          <a:pPr marL="171450" lvl="1" indent="-171450" algn="l" defTabSz="755650">
+          <a:pPr marL="114300" lvl="1" indent="-114300" algn="l" defTabSz="666750">
             <a:lnSpc>
               <a:spcPct val="90000"/>
             </a:lnSpc>
@@ -8114,21 +8248,21 @@
             <a:buChar char="•"/>
           </a:pPr>
           <a:r>
-            <a:rPr lang="fr-FR" sz="1700" kern="1200" dirty="0"/>
+            <a:rPr lang="fr-FR" sz="1500" kern="1200" dirty="0"/>
             <a:t>-n, --line-</a:t>
           </a:r>
           <a:r>
-            <a:rPr lang="fr-FR" sz="1700" kern="1200" dirty="0" err="1"/>
+            <a:rPr lang="fr-FR" sz="1500" kern="1200" dirty="0" err="1"/>
             <a:t>number</a:t>
           </a:r>
           <a:r>
-            <a:rPr lang="fr-FR" sz="1700" kern="1200" dirty="0"/>
+            <a:rPr lang="fr-FR" sz="1500" kern="1200" dirty="0"/>
             <a:t> afficher le numéro de ligne</a:t>
           </a:r>
-          <a:endParaRPr lang="en-US" sz="1700" kern="1200" dirty="0"/>
+          <a:endParaRPr lang="en-US" sz="1500" kern="1200" dirty="0"/>
         </a:p>
         <a:p>
-          <a:pPr marL="171450" lvl="1" indent="-171450" algn="l" defTabSz="755650">
+          <a:pPr marL="114300" lvl="1" indent="-114300" algn="l" defTabSz="666750">
             <a:lnSpc>
               <a:spcPct val="90000"/>
             </a:lnSpc>
@@ -8141,21 +8275,21 @@
             <a:buChar char="•"/>
           </a:pPr>
           <a:r>
-            <a:rPr lang="fr-FR" sz="1700" kern="1200" dirty="0"/>
+            <a:rPr lang="fr-FR" sz="1500" kern="1200" dirty="0"/>
             <a:t>-v, --</a:t>
           </a:r>
           <a:r>
-            <a:rPr lang="fr-FR" sz="1700" kern="1200" dirty="0" err="1"/>
+            <a:rPr lang="fr-FR" sz="1500" kern="1200" dirty="0" err="1"/>
             <a:t>invert</a:t>
           </a:r>
           <a:r>
-            <a:rPr lang="fr-FR" sz="1700" kern="1200" dirty="0"/>
+            <a:rPr lang="fr-FR" sz="1500" kern="1200" dirty="0"/>
             <a:t>-match afficher les lignes qui ne correspondent pas</a:t>
           </a:r>
-          <a:endParaRPr lang="en-US" sz="1700" kern="1200" dirty="0"/>
+          <a:endParaRPr lang="en-US" sz="1500" kern="1200" dirty="0"/>
         </a:p>
         <a:p>
-          <a:pPr marL="171450" lvl="1" indent="-171450" algn="l" defTabSz="755650">
+          <a:pPr marL="114300" lvl="1" indent="-114300" algn="l" defTabSz="666750">
             <a:lnSpc>
               <a:spcPct val="90000"/>
             </a:lnSpc>
@@ -8168,21 +8302,21 @@
             <a:buChar char="•"/>
           </a:pPr>
           <a:r>
-            <a:rPr lang="fr-FR" sz="1700" kern="1200" dirty="0"/>
+            <a:rPr lang="fr-FR" sz="1500" kern="1200" dirty="0"/>
             <a:t>-x, --line-</a:t>
           </a:r>
           <a:r>
-            <a:rPr lang="fr-FR" sz="1700" kern="1200" dirty="0" err="1"/>
+            <a:rPr lang="fr-FR" sz="1500" kern="1200" dirty="0" err="1"/>
             <a:t>regexp</a:t>
           </a:r>
           <a:r>
-            <a:rPr lang="fr-FR" sz="1700" kern="1200" dirty="0"/>
+            <a:rPr lang="fr-FR" sz="1500" kern="1200" dirty="0"/>
             <a:t> chercher la ligne entière</a:t>
           </a:r>
-          <a:endParaRPr lang="en-US" sz="1700" kern="1200" dirty="0"/>
+          <a:endParaRPr lang="en-US" sz="1500" kern="1200" dirty="0"/>
         </a:p>
         <a:p>
-          <a:pPr marL="171450" lvl="1" indent="-171450" algn="l" defTabSz="755650">
+          <a:pPr marL="114300" lvl="1" indent="-114300" algn="l" defTabSz="666750">
             <a:lnSpc>
               <a:spcPct val="90000"/>
             </a:lnSpc>
@@ -8195,21 +8329,21 @@
             <a:buChar char="•"/>
           </a:pPr>
           <a:r>
-            <a:rPr lang="fr-FR" sz="1700" kern="1200" dirty="0"/>
+            <a:rPr lang="fr-FR" sz="1500" kern="1200" dirty="0"/>
             <a:t>--</a:t>
           </a:r>
           <a:r>
-            <a:rPr lang="fr-FR" sz="1700" kern="1200" dirty="0" err="1"/>
+            <a:rPr lang="fr-FR" sz="1500" kern="1200" dirty="0" err="1"/>
             <a:t>color</a:t>
           </a:r>
           <a:r>
-            <a:rPr lang="fr-FR" sz="1700" kern="1200" dirty="0"/>
+            <a:rPr lang="fr-FR" sz="1500" kern="1200" dirty="0"/>
             <a:t> colorier le motif (GNU)</a:t>
           </a:r>
-          <a:endParaRPr lang="en-US" sz="1700" kern="1200" dirty="0"/>
+          <a:endParaRPr lang="en-US" sz="1500" kern="1200" dirty="0"/>
         </a:p>
         <a:p>
-          <a:pPr marL="171450" lvl="1" indent="-171450" algn="l" defTabSz="755650">
+          <a:pPr marL="114300" lvl="1" indent="-114300" algn="l" defTabSz="666750">
             <a:lnSpc>
               <a:spcPct val="90000"/>
             </a:lnSpc>
@@ -8222,29 +8356,49 @@
             <a:buChar char="•"/>
           </a:pPr>
           <a:r>
-            <a:rPr lang="fr-FR" sz="1700" kern="1200"/>
-            <a:t>Pour d’autres options, voire man de grep et/ou </a:t>
+            <a:rPr lang="fr-FR" sz="1500" kern="1200" dirty="0"/>
+            <a:t>Pour d’autres options, voire man de </a:t>
           </a:r>
           <a:r>
-            <a:rPr lang="en-CA" sz="1700" kern="1200"/>
+            <a:rPr lang="fr-FR" sz="1500" kern="1200" dirty="0" err="1"/>
+            <a:t>grep</a:t>
+          </a:r>
+          <a:r>
+            <a:rPr lang="fr-FR" sz="1500" kern="1200" dirty="0"/>
+            <a:t> et/ou </a:t>
+          </a:r>
+          <a:r>
+            <a:rPr lang="en-CA" sz="1500" kern="1200" dirty="0"/>
             <a:t>Notes de Cours (</a:t>
           </a:r>
           <a:r>
-            <a:rPr lang="en-CA" sz="1700" kern="1200">
+            <a:rPr lang="en-CA" sz="1500" kern="1200" dirty="0" err="1">
               <a:hlinkClick xmlns:r="http://schemas.openxmlformats.org/officeDocument/2006/relationships" r:id="rId1"/>
             </a:rPr>
-            <a:t>Chapitre 4: Expressions régulières</a:t>
+            <a:t>Chapitre</a:t>
           </a:r>
           <a:r>
-            <a:rPr lang="en-CA" sz="1700" kern="1200"/>
+            <a:rPr lang="en-CA" sz="1500" kern="1200" dirty="0">
+              <a:hlinkClick xmlns:r="http://schemas.openxmlformats.org/officeDocument/2006/relationships" r:id="rId1"/>
+            </a:rPr>
+            <a:t> 4: Expressions </a:t>
+          </a:r>
+          <a:r>
+            <a:rPr lang="en-CA" sz="1500" kern="1200" dirty="0" err="1">
+              <a:hlinkClick xmlns:r="http://schemas.openxmlformats.org/officeDocument/2006/relationships" r:id="rId1"/>
+            </a:rPr>
+            <a:t>régulières</a:t>
+          </a:r>
+          <a:r>
+            <a:rPr lang="en-CA" sz="1500" kern="1200" dirty="0"/>
             <a:t>) </a:t>
           </a:r>
-          <a:endParaRPr lang="en-US" sz="1700" kern="1200"/>
+          <a:endParaRPr lang="en-US" sz="1500" kern="1200" dirty="0"/>
         </a:p>
       </dsp:txBody>
       <dsp:txXfrm>
-        <a:off x="0" y="1061850"/>
-        <a:ext cx="10058399" cy="2623950"/>
+        <a:off x="0" y="1392331"/>
+        <a:ext cx="10058399" cy="2315250"/>
       </dsp:txXfrm>
     </dsp:sp>
     <dsp:sp modelId="{407E9A8A-EF04-401A-930B-C9DB376810D0}">
@@ -8254,8 +8408,8 @@
       </dsp:nvSpPr>
       <dsp:spPr>
         <a:xfrm>
-          <a:off x="502920" y="810930"/>
-          <a:ext cx="7040880" cy="501840"/>
+          <a:off x="502920" y="1170931"/>
+          <a:ext cx="7040880" cy="442800"/>
         </a:xfrm>
         <a:prstGeom prst="roundRect">
           <a:avLst/>
@@ -8301,7 +8455,7 @@
         </a:bodyPr>
         <a:lstStyle/>
         <a:p>
-          <a:pPr marL="0" lvl="0" indent="0" algn="l" defTabSz="755650">
+          <a:pPr marL="0" lvl="0" indent="0" algn="l" defTabSz="666750">
             <a:lnSpc>
               <a:spcPct val="90000"/>
             </a:lnSpc>
@@ -8314,15 +8468,15 @@
             <a:buNone/>
           </a:pPr>
           <a:r>
-            <a:rPr lang="en-CA" sz="1700" kern="1200" dirty="0"/>
+            <a:rPr lang="en-CA" sz="1500" kern="1200" dirty="0"/>
             <a:t>Options:</a:t>
           </a:r>
-          <a:endParaRPr lang="en-US" sz="1700" kern="1200" dirty="0"/>
+          <a:endParaRPr lang="en-US" sz="1500" kern="1200" dirty="0"/>
         </a:p>
       </dsp:txBody>
       <dsp:txXfrm>
-        <a:off x="527418" y="835428"/>
-        <a:ext cx="6991884" cy="452844"/>
+        <a:off x="524536" y="1192547"/>
+        <a:ext cx="6997648" cy="399568"/>
       </dsp:txXfrm>
     </dsp:sp>
   </dsp:spTree>
@@ -15350,6 +15504,13 @@
             <a:softEdge rad="0"/>
           </a:effectLst>
         </p:spPr>
+        <p:txBody>
+          <a:bodyPr/>
+          <a:lstStyle/>
+          <a:p>
+            <a:endParaRPr lang="en-CA"/>
+          </a:p>
+        </p:txBody>
       </p:sp>
       <p:sp>
         <p:nvSpPr>
@@ -15378,6 +15539,13 @@
           </a:ln>
           <a:effectLst/>
         </p:spPr>
+        <p:txBody>
+          <a:bodyPr/>
+          <a:lstStyle/>
+          <a:p>
+            <a:endParaRPr lang="en-CA"/>
+          </a:p>
+        </p:txBody>
       </p:sp>
       <p:sp>
         <p:nvSpPr>
@@ -15416,6 +15584,13 @@
             <a:schemeClr val="lt1"/>
           </a:fontRef>
         </p:style>
+        <p:txBody>
+          <a:bodyPr/>
+          <a:lstStyle/>
+          <a:p>
+            <a:endParaRPr lang="en-CA"/>
+          </a:p>
+        </p:txBody>
       </p:sp>
       <p:grpSp>
         <p:nvGrpSpPr>
@@ -15720,7 +15895,7 @@
           <a:p>
             <a:fld id="{EA0C0817-A112-4847-8014-A94B7D2A4EA3}" type="datetime1">
               <a:rPr lang="en-US" smtClean="0"/>
-              <a:t>2/24/2025</a:t>
+              <a:t>2/22/2026</a:t>
             </a:fld>
             <a:endParaRPr lang="en-US" dirty="0"/>
           </a:p>
@@ -15922,7 +16097,7 @@
           <a:p>
             <a:fld id="{134F40B7-36AB-4376-BE14-EF7004D79BB9}" type="datetime1">
               <a:rPr lang="en-US" smtClean="0"/>
-              <a:t>2/24/2025</a:t>
+              <a:t>2/22/2026</a:t>
             </a:fld>
             <a:endParaRPr lang="en-US" dirty="0"/>
           </a:p>
@@ -16102,7 +16277,7 @@
           <a:p>
             <a:fld id="{FF87CAB8-DCAE-46A5-AADA-B3FAD11A54E0}" type="datetime1">
               <a:rPr lang="en-US" smtClean="0"/>
-              <a:t>2/24/2025</a:t>
+              <a:t>2/22/2026</a:t>
             </a:fld>
             <a:endParaRPr lang="en-US" dirty="0"/>
           </a:p>
@@ -16272,7 +16447,7 @@
           <a:p>
             <a:fld id="{7332B432-ACDA-4023-A761-2BAB76577B62}" type="datetime1">
               <a:rPr lang="en-US" smtClean="0"/>
-              <a:t>2/24/2025</a:t>
+              <a:t>2/22/2026</a:t>
             </a:fld>
             <a:endParaRPr lang="en-US" dirty="0"/>
           </a:p>
@@ -16871,7 +17046,7 @@
           <a:p>
             <a:fld id="{D9C646AA-F36E-4540-911D-FFFC0A0EF24A}" type="datetime1">
               <a:rPr lang="en-US" smtClean="0"/>
-              <a:t>2/24/2025</a:t>
+              <a:t>2/22/2026</a:t>
             </a:fld>
             <a:endParaRPr lang="en-US" dirty="0"/>
           </a:p>
@@ -17191,7 +17366,7 @@
           <a:p>
             <a:fld id="{69186D26-FA5F-4637-B602-B7C2DC34CFD4}" type="datetime1">
               <a:rPr lang="en-US" smtClean="0"/>
-              <a:t>2/24/2025</a:t>
+              <a:t>2/22/2026</a:t>
             </a:fld>
             <a:endParaRPr lang="en-US" dirty="0"/>
           </a:p>
@@ -17628,7 +17803,7 @@
           <a:p>
             <a:fld id="{8A7F15D8-96D1-4781-BC50-CA8A088B2FE4}" type="datetime1">
               <a:rPr lang="en-US" smtClean="0"/>
-              <a:t>2/24/2025</a:t>
+              <a:t>2/22/2026</a:t>
             </a:fld>
             <a:endParaRPr lang="en-US" dirty="0"/>
           </a:p>
@@ -17746,7 +17921,7 @@
           <a:p>
             <a:fld id="{F9A96C99-B8F8-4528-BD05-0E16E943DC09}" type="datetime1">
               <a:rPr lang="en-US" smtClean="0"/>
-              <a:t>2/24/2025</a:t>
+              <a:t>2/22/2026</a:t>
             </a:fld>
             <a:endParaRPr lang="en-US" dirty="0"/>
           </a:p>
@@ -17841,7 +18016,7 @@
           <a:p>
             <a:fld id="{03636942-C211-4B28-8DBD-C953E00AF71B}" type="datetime1">
               <a:rPr lang="en-US" smtClean="0"/>
-              <a:t>2/24/2025</a:t>
+              <a:t>2/22/2026</a:t>
             </a:fld>
             <a:endParaRPr lang="en-US" dirty="0"/>
           </a:p>
@@ -18258,7 +18433,7 @@
           <a:p>
             <a:fld id="{7E8D12A6-918A-48BD-8CB9-CA713993B0EA}" type="datetime1">
               <a:rPr lang="en-US" smtClean="0"/>
-              <a:t>2/24/2025</a:t>
+              <a:t>2/22/2026</a:t>
             </a:fld>
             <a:endParaRPr lang="en-US" dirty="0"/>
           </a:p>
@@ -18520,7 +18695,7 @@
             <a:fld id="{E778CE86-875F-4587-BCF6-FA054AFC0D53}" type="datetime1">
               <a:rPr lang="en-US" smtClean="0"/>
               <a:pPr/>
-              <a:t>2/24/2025</a:t>
+              <a:t>2/22/2026</a:t>
             </a:fld>
             <a:endParaRPr lang="en-US" dirty="0"/>
           </a:p>
@@ -18876,6 +19051,13 @@
             <a:softEdge rad="0"/>
           </a:effectLst>
         </p:spPr>
+        <p:txBody>
+          <a:bodyPr/>
+          <a:lstStyle/>
+          <a:p>
+            <a:endParaRPr lang="en-CA"/>
+          </a:p>
+        </p:txBody>
       </p:sp>
       <p:sp>
         <p:nvSpPr>
@@ -18904,6 +19086,13 @@
           </a:ln>
           <a:effectLst/>
         </p:spPr>
+        <p:txBody>
+          <a:bodyPr/>
+          <a:lstStyle/>
+          <a:p>
+            <a:endParaRPr lang="en-CA"/>
+          </a:p>
+        </p:txBody>
       </p:sp>
       <p:sp>
         <p:nvSpPr>
@@ -19036,7 +19225,7 @@
           <a:p>
             <a:fld id="{F6FA2B21-3FCD-4721-B95C-427943F61125}" type="datetime1">
               <a:rPr lang="en-US" smtClean="0"/>
-              <a:t>2/24/2025</a:t>
+              <a:t>2/22/2026</a:t>
             </a:fld>
             <a:endParaRPr lang="en-US" dirty="0"/>
           </a:p>
@@ -20228,27 +20417,26 @@
       </p:sp>
       <p:graphicFrame>
         <p:nvGraphicFramePr>
-          <p:cNvPr id="5" name="Content Placeholder 2">
+          <p:cNvPr id="3" name="Content Placeholder 2">
             <a:extLst>
               <a:ext uri="{FF2B5EF4-FFF2-40B4-BE49-F238E27FC236}">
-                <a16:creationId xmlns:a16="http://schemas.microsoft.com/office/drawing/2014/main" id="{6AEFE5F3-CB46-DFD9-3E41-BF60B401570F}"/>
+                <a16:creationId xmlns:a16="http://schemas.microsoft.com/office/drawing/2014/main" id="{89E46365-26F4-553A-DD84-5821A38DB7EF}"/>
               </a:ext>
             </a:extLst>
           </p:cNvPr>
           <p:cNvGraphicFramePr>
-            <a:graphicFrameLocks noGrp="1"/>
+            <a:graphicFrameLocks/>
           </p:cNvGraphicFramePr>
           <p:nvPr>
-            <p:ph idx="1"/>
             <p:extLst>
               <p:ext uri="{D42A27DB-BD31-4B8C-83A1-F6EECF244321}">
-                <p14:modId xmlns:p14="http://schemas.microsoft.com/office/powerpoint/2010/main" val="2449675702"/>
+                <p14:modId xmlns:p14="http://schemas.microsoft.com/office/powerpoint/2010/main" val="2775599639"/>
               </p:ext>
             </p:extLst>
           </p:nvPr>
         </p:nvGraphicFramePr>
         <p:xfrm>
-          <a:off x="1066800" y="2310063"/>
+          <a:off x="1066800" y="2014194"/>
           <a:ext cx="10058400" cy="3725612"/>
         </p:xfrm>
         <a:graphic>
@@ -20531,7 +20719,7 @@
             <p:ph idx="1"/>
             <p:extLst>
               <p:ext uri="{D42A27DB-BD31-4B8C-83A1-F6EECF244321}">
-                <p14:modId xmlns:p14="http://schemas.microsoft.com/office/powerpoint/2010/main" val="3041524537"/>
+                <p14:modId xmlns:p14="http://schemas.microsoft.com/office/powerpoint/2010/main" val="2440706580"/>
               </p:ext>
             </p:extLst>
           </p:nvPr>
@@ -21228,24 +21416,6 @@
 </file>
 
 <file path=customXml/item1.xml><?xml version="1.0" encoding="utf-8"?>
-<p:properties xmlns:p="http://schemas.microsoft.com/office/2006/metadata/properties" xmlns:xsi="http://www.w3.org/2001/XMLSchema-instance" xmlns:pc="http://schemas.microsoft.com/office/infopath/2007/PartnerControls">
-  <documentManagement>
-    <Status xmlns="71af3243-3dd4-4a8d-8c0d-dd76da1f02a5">Not started</Status>
-    <MediaServiceKeyPoints xmlns="71af3243-3dd4-4a8d-8c0d-dd76da1f02a5" xsi:nil="true"/>
-  </documentManagement>
-</p:properties>
-</file>
-
-<file path=customXml/item2.xml><?xml version="1.0" encoding="utf-8"?>
-<?mso-contentType ?>
-<FormTemplates xmlns="http://schemas.microsoft.com/sharepoint/v3/contenttype/forms">
-  <Display>DocumentLibraryForm</Display>
-  <Edit>DocumentLibraryForm</Edit>
-  <New>DocumentLibraryForm</New>
-</FormTemplates>
-</file>
-
-<file path=customXml/item3.xml><?xml version="1.0" encoding="utf-8"?>
 <ct:contentTypeSchema xmlns:ct="http://schemas.microsoft.com/office/2006/metadata/contentType" xmlns:ma="http://schemas.microsoft.com/office/2006/metadata/properties/metaAttributes" ct:_="" ma:_="" ma:contentTypeName="Document" ma:contentTypeID="0x01010079F111ED35F8CC479449609E8A0923A6" ma:contentTypeVersion="12" ma:contentTypeDescription="Create a new document." ma:contentTypeScope="" ma:versionID="a410dd7f93c95333ffa1b60ed6adedd1">
   <xsd:schema xmlns:xsd="http://www.w3.org/2001/XMLSchema" xmlns:xs="http://www.w3.org/2001/XMLSchema" xmlns:p="http://schemas.microsoft.com/office/2006/metadata/properties" xmlns:ns2="71af3243-3dd4-4a8d-8c0d-dd76da1f02a5" xmlns:ns3="16c05727-aa75-4e4a-9b5f-8a80a1165891" targetNamespace="http://schemas.microsoft.com/office/2006/metadata/properties" ma:root="true" ma:fieldsID="a936d9baba76aa3866493feff160faab" ns2:_="" ns3:_="">
     <xsd:import namespace="71af3243-3dd4-4a8d-8c0d-dd76da1f02a5"/>
@@ -21466,25 +21636,25 @@
 </ct:contentTypeSchema>
 </file>
 
-<file path=customXml/itemProps1.xml><?xml version="1.0" encoding="utf-8"?>
-<ds:datastoreItem xmlns:ds="http://schemas.openxmlformats.org/officeDocument/2006/customXml" ds:itemID="{B975FBC4-9D33-46BE-911D-419763BA9AF9}">
-  <ds:schemaRefs>
-    <ds:schemaRef ds:uri="http://schemas.microsoft.com/office/2006/metadata/properties"/>
-    <ds:schemaRef ds:uri="http://schemas.microsoft.com/office/infopath/2007/PartnerControls"/>
-    <ds:schemaRef ds:uri="71af3243-3dd4-4a8d-8c0d-dd76da1f02a5"/>
-  </ds:schemaRefs>
-</ds:datastoreItem>
+<file path=customXml/item2.xml><?xml version="1.0" encoding="utf-8"?>
+<?mso-contentType ?>
+<FormTemplates xmlns="http://schemas.microsoft.com/sharepoint/v3/contenttype/forms">
+  <Display>DocumentLibraryForm</Display>
+  <Edit>DocumentLibraryForm</Edit>
+  <New>DocumentLibraryForm</New>
+</FormTemplates>
 </file>
 
-<file path=customXml/itemProps2.xml><?xml version="1.0" encoding="utf-8"?>
-<ds:datastoreItem xmlns:ds="http://schemas.openxmlformats.org/officeDocument/2006/customXml" ds:itemID="{294F055B-D391-44D3-A87A-BCD07BD5A31C}">
-  <ds:schemaRefs>
-    <ds:schemaRef ds:uri="http://schemas.microsoft.com/sharepoint/v3/contenttype/forms"/>
-  </ds:schemaRefs>
-</ds:datastoreItem>
+<file path=customXml/item3.xml><?xml version="1.0" encoding="utf-8"?>
+<p:properties xmlns:p="http://schemas.microsoft.com/office/2006/metadata/properties" xmlns:xsi="http://www.w3.org/2001/XMLSchema-instance" xmlns:pc="http://schemas.microsoft.com/office/infopath/2007/PartnerControls">
+  <documentManagement>
+    <Status xmlns="71af3243-3dd4-4a8d-8c0d-dd76da1f02a5">Not started</Status>
+    <MediaServiceKeyPoints xmlns="71af3243-3dd4-4a8d-8c0d-dd76da1f02a5" xsi:nil="true"/>
+  </documentManagement>
+</p:properties>
 </file>
 
-<file path=customXml/itemProps3.xml><?xml version="1.0" encoding="utf-8"?>
+<file path=customXml/itemProps1.xml><?xml version="1.0" encoding="utf-8"?>
 <ds:datastoreItem xmlns:ds="http://schemas.openxmlformats.org/officeDocument/2006/customXml" ds:itemID="{26DBD101-FC0A-4B21-82B0-57CAA7AEEC71}">
   <ds:schemaRefs>
     <ds:schemaRef ds:uri="http://schemas.microsoft.com/office/2006/metadata/contentType"/>
@@ -21501,4 +21671,22 @@
     <ds:schemaRef ds:uri="http://schemas.microsoft.com/internal/obd"/>
   </ds:schemaRefs>
 </ds:datastoreItem>
+</file>
+
+<file path=customXml/itemProps2.xml><?xml version="1.0" encoding="utf-8"?>
+<ds:datastoreItem xmlns:ds="http://schemas.openxmlformats.org/officeDocument/2006/customXml" ds:itemID="{294F055B-D391-44D3-A87A-BCD07BD5A31C}">
+  <ds:schemaRefs>
+    <ds:schemaRef ds:uri="http://schemas.microsoft.com/sharepoint/v3/contenttype/forms"/>
+  </ds:schemaRefs>
+</ds:datastoreItem>
+</file>
+
+<file path=customXml/itemProps3.xml><?xml version="1.0" encoding="utf-8"?>
+<ds:datastoreItem xmlns:ds="http://schemas.openxmlformats.org/officeDocument/2006/customXml" ds:itemID="{B975FBC4-9D33-46BE-911D-419763BA9AF9}">
+  <ds:schemaRefs>
+    <ds:schemaRef ds:uri="http://schemas.microsoft.com/office/2006/metadata/properties"/>
+    <ds:schemaRef ds:uri="http://schemas.microsoft.com/office/infopath/2007/PartnerControls"/>
+    <ds:schemaRef ds:uri="71af3243-3dd4-4a8d-8c0d-dd76da1f02a5"/>
+  </ds:schemaRefs>
+</ds:datastoreItem>
 </file>